--- a/Office Docs/6 Making decisions with code.pptx
+++ b/Office Docs/6 Making decisions with code.pptx
@@ -268,7 +268,7 @@
           <a:p>
             <a:fld id="{A9DDBD42-E139-45FA-9C16-1611187CAC3F}" type="datetimeFigureOut">
               <a:rPr lang="en-US" smtClean="0"/>
-              <a:t>9/18/2014</a:t>
+              <a:t>9/22/2014</a:t>
             </a:fld>
             <a:endParaRPr lang="en-US"/>
           </a:p>
@@ -3573,11 +3573,7 @@
           <a:p>
             <a:r>
               <a:rPr lang="en-CA" dirty="0" smtClean="0"/>
-              <a:t>Making decisions with </a:t>
-            </a:r>
-            <a:r>
-              <a:rPr lang="en-CA" dirty="0" smtClean="0"/>
-              <a:t>code</a:t>
+              <a:t>Making decisions with code</a:t>
             </a:r>
           </a:p>
           <a:p>
@@ -14975,12 +14971,12 @@
               <a:t>If the user </a:t>
             </a:r>
             <a:r>
-              <a:rPr lang="en-CA" dirty="0" err="1" smtClean="0"/>
-              <a:t>maintaned</a:t>
-            </a:r>
-            <a:r>
               <a:rPr lang="en-CA" dirty="0" smtClean="0"/>
-              <a:t> a bank account balance over $1000 waive the transaction fees</a:t>
+              <a:t>maintained </a:t>
+            </a:r>
+            <a:r>
+              <a:rPr lang="en-CA" dirty="0" smtClean="0"/>
+              <a:t>a bank account balance over $1000 waive the transaction fees</a:t>
             </a:r>
           </a:p>
           <a:p>

--- a/Office Docs/6 Making decisions with code.pptx
+++ b/Office Docs/6 Making decisions with code.pptx
@@ -5,7 +5,7 @@
     <p:sldMasterId id="2147483660" r:id="rId1"/>
   </p:sldMasterIdLst>
   <p:notesMasterIdLst>
-    <p:notesMasterId r:id="rId31"/>
+    <p:notesMasterId r:id="rId34"/>
   </p:notesMasterIdLst>
   <p:sldIdLst>
     <p:sldId id="318" r:id="rId2"/>
@@ -16,27 +16,30 @@
     <p:sldId id="321" r:id="rId7"/>
     <p:sldId id="322" r:id="rId8"/>
     <p:sldId id="441" r:id="rId9"/>
-    <p:sldId id="393" r:id="rId10"/>
-    <p:sldId id="436" r:id="rId11"/>
-    <p:sldId id="323" r:id="rId12"/>
-    <p:sldId id="324" r:id="rId13"/>
-    <p:sldId id="325" r:id="rId14"/>
-    <p:sldId id="442" r:id="rId15"/>
-    <p:sldId id="326" r:id="rId16"/>
-    <p:sldId id="443" r:id="rId17"/>
-    <p:sldId id="327" r:id="rId18"/>
-    <p:sldId id="331" r:id="rId19"/>
-    <p:sldId id="332" r:id="rId20"/>
-    <p:sldId id="444" r:id="rId21"/>
-    <p:sldId id="381" r:id="rId22"/>
-    <p:sldId id="445" r:id="rId23"/>
-    <p:sldId id="382" r:id="rId24"/>
-    <p:sldId id="383" r:id="rId25"/>
-    <p:sldId id="384" r:id="rId26"/>
-    <p:sldId id="385" r:id="rId27"/>
-    <p:sldId id="437" r:id="rId28"/>
-    <p:sldId id="439" r:id="rId29"/>
-    <p:sldId id="440" r:id="rId30"/>
+    <p:sldId id="447" r:id="rId10"/>
+    <p:sldId id="393" r:id="rId11"/>
+    <p:sldId id="436" r:id="rId12"/>
+    <p:sldId id="323" r:id="rId13"/>
+    <p:sldId id="324" r:id="rId14"/>
+    <p:sldId id="325" r:id="rId15"/>
+    <p:sldId id="442" r:id="rId16"/>
+    <p:sldId id="326" r:id="rId17"/>
+    <p:sldId id="446" r:id="rId18"/>
+    <p:sldId id="443" r:id="rId19"/>
+    <p:sldId id="327" r:id="rId20"/>
+    <p:sldId id="331" r:id="rId21"/>
+    <p:sldId id="448" r:id="rId22"/>
+    <p:sldId id="332" r:id="rId23"/>
+    <p:sldId id="444" r:id="rId24"/>
+    <p:sldId id="381" r:id="rId25"/>
+    <p:sldId id="445" r:id="rId26"/>
+    <p:sldId id="382" r:id="rId27"/>
+    <p:sldId id="383" r:id="rId28"/>
+    <p:sldId id="384" r:id="rId29"/>
+    <p:sldId id="385" r:id="rId30"/>
+    <p:sldId id="437" r:id="rId31"/>
+    <p:sldId id="439" r:id="rId32"/>
+    <p:sldId id="440" r:id="rId33"/>
   </p:sldIdLst>
   <p:sldSz cx="12192000" cy="6858000"/>
   <p:notesSz cx="6858000" cy="9144000"/>
@@ -148,6 +151,7 @@
             <p14:sldId id="321"/>
             <p14:sldId id="322"/>
             <p14:sldId id="441"/>
+            <p14:sldId id="447"/>
             <p14:sldId id="393"/>
             <p14:sldId id="436"/>
             <p14:sldId id="323"/>
@@ -155,9 +159,11 @@
             <p14:sldId id="325"/>
             <p14:sldId id="442"/>
             <p14:sldId id="326"/>
+            <p14:sldId id="446"/>
             <p14:sldId id="443"/>
             <p14:sldId id="327"/>
             <p14:sldId id="331"/>
+            <p14:sldId id="448"/>
             <p14:sldId id="332"/>
             <p14:sldId id="444"/>
             <p14:sldId id="381"/>
@@ -268,7 +274,7 @@
           <a:p>
             <a:fld id="{A9DDBD42-E139-45FA-9C16-1611187CAC3F}" type="datetimeFigureOut">
               <a:rPr lang="en-US" smtClean="0"/>
-              <a:t>9/22/2014</a:t>
+              <a:t>9/23/2014</a:t>
             </a:fld>
             <a:endParaRPr lang="en-US"/>
           </a:p>
@@ -601,7 +607,7 @@
           <a:p>
             <a:fld id="{906AB01E-7BD7-442B-8A6B-D31FAFDAE830}" type="slidenum">
               <a:rPr lang="en-US" smtClean="0"/>
-              <a:t>13</a:t>
+              <a:t>14</a:t>
             </a:fld>
             <a:endParaRPr lang="en-US"/>
           </a:p>
@@ -685,7 +691,7 @@
           <a:p>
             <a:fld id="{906AB01E-7BD7-442B-8A6B-D31FAFDAE830}" type="slidenum">
               <a:rPr lang="en-US" smtClean="0"/>
-              <a:t>15</a:t>
+              <a:t>16</a:t>
             </a:fld>
             <a:endParaRPr lang="en-US"/>
           </a:p>
@@ -769,7 +775,7 @@
           <a:p>
             <a:fld id="{906AB01E-7BD7-442B-8A6B-D31FAFDAE830}" type="slidenum">
               <a:rPr lang="en-US" smtClean="0"/>
-              <a:t>17</a:t>
+              <a:t>19</a:t>
             </a:fld>
             <a:endParaRPr lang="en-US"/>
           </a:p>
@@ -853,7 +859,7 @@
           <a:p>
             <a:fld id="{906AB01E-7BD7-442B-8A6B-D31FAFDAE830}" type="slidenum">
               <a:rPr lang="en-US" smtClean="0"/>
-              <a:t>18</a:t>
+              <a:t>20</a:t>
             </a:fld>
             <a:endParaRPr lang="en-US"/>
           </a:p>
@@ -937,7 +943,7 @@
           <a:p>
             <a:fld id="{906AB01E-7BD7-442B-8A6B-D31FAFDAE830}" type="slidenum">
               <a:rPr lang="en-US" smtClean="0"/>
-              <a:t>19</a:t>
+              <a:t>22</a:t>
             </a:fld>
             <a:endParaRPr lang="en-US"/>
           </a:p>
@@ -3639,6 +3645,497 @@
 </file>
 
 <file path=ppt/slides/slide10.xml><?xml version="1.0" encoding="utf-8"?>
+<p:sld xmlns:a="http://schemas.openxmlformats.org/drawingml/2006/main" xmlns:r="http://schemas.openxmlformats.org/officeDocument/2006/relationships" xmlns:p="http://schemas.openxmlformats.org/presentationml/2006/main">
+  <p:cSld>
+    <p:spTree>
+      <p:nvGrpSpPr>
+        <p:cNvPr id="1" name=""/>
+        <p:cNvGrpSpPr/>
+        <p:nvPr/>
+      </p:nvGrpSpPr>
+      <p:grpSpPr>
+        <a:xfrm>
+          <a:off x="0" y="0"/>
+          <a:ext cx="0" cy="0"/>
+          <a:chOff x="0" y="0"/>
+          <a:chExt cx="0" cy="0"/>
+        </a:xfrm>
+      </p:grpSpPr>
+      <p:sp>
+        <p:nvSpPr>
+          <p:cNvPr id="10" name="Rectangle 2"/>
+          <p:cNvSpPr>
+            <a:spLocks noChangeArrowheads="1"/>
+          </p:cNvSpPr>
+          <p:nvPr/>
+        </p:nvSpPr>
+        <p:spPr bwMode="auto">
+          <a:xfrm>
+            <a:off x="838200" y="1464558"/>
+            <a:ext cx="9767455" cy="2677656"/>
+          </a:xfrm>
+          <a:prstGeom prst="rect">
+            <a:avLst/>
+          </a:prstGeom>
+          <a:solidFill>
+            <a:srgbClr val="FFFFFF"/>
+          </a:solidFill>
+          <a:ln>
+            <a:noFill/>
+          </a:ln>
+          <a:effectLst/>
+          <a:extLst>
+            <a:ext uri="{91240B29-F687-4F45-9708-019B960494DF}">
+              <a14:hiddenLine xmlns:a14="http://schemas.microsoft.com/office/drawing/2010/main" w="9525">
+                <a:solidFill>
+                  <a:schemeClr val="tx1"/>
+                </a:solidFill>
+                <a:miter lim="800000"/>
+                <a:headEnd/>
+                <a:tailEnd/>
+              </a14:hiddenLine>
+            </a:ext>
+            <a:ext uri="{AF507438-7753-43E0-B8FC-AC1667EBCBE1}">
+              <a14:hiddenEffects xmlns:a14="http://schemas.microsoft.com/office/drawing/2010/main">
+                <a:effectLst>
+                  <a:outerShdw dist="35921" dir="2700000" algn="ctr" rotWithShape="0">
+                    <a:schemeClr val="bg2"/>
+                  </a:outerShdw>
+                </a:effectLst>
+              </a14:hiddenEffects>
+            </a:ext>
+          </a:extLst>
+        </p:spPr>
+        <p:txBody>
+          <a:bodyPr vert="horz" wrap="square" lIns="91440" tIns="45720" rIns="91440" bIns="45720" numCol="1" anchor="ctr" anchorCtr="0" compatLnSpc="1">
+            <a:prstTxWarp prst="textNoShape">
+              <a:avLst/>
+            </a:prstTxWarp>
+            <a:spAutoFit/>
+          </a:bodyPr>
+          <a:lstStyle/>
+          <a:p>
+            <a:pPr lvl="0" eaLnBrk="0" fontAlgn="base" hangingPunct="0">
+              <a:spcBef>
+                <a:spcPct val="0"/>
+              </a:spcBef>
+              <a:spcAft>
+                <a:spcPct val="0"/>
+              </a:spcAft>
+            </a:pPr>
+            <a:r>
+              <a:rPr lang="en-US" altLang="en-US" sz="2800" dirty="0">
+                <a:solidFill>
+                  <a:srgbClr val="0000FF"/>
+                </a:solidFill>
+                <a:latin typeface="Consolas" panose="020B0609020204030204" pitchFamily="49" charset="0"/>
+                <a:cs typeface="Consolas" panose="020B0609020204030204" pitchFamily="49" charset="0"/>
+              </a:rPr>
+              <a:t>if</a:t>
+            </a:r>
+            <a:r>
+              <a:rPr lang="en-US" altLang="en-US" sz="2800" dirty="0">
+                <a:solidFill>
+                  <a:srgbClr val="000000"/>
+                </a:solidFill>
+                <a:latin typeface="Consolas" panose="020B0609020204030204" pitchFamily="49" charset="0"/>
+                <a:cs typeface="Consolas" panose="020B0609020204030204" pitchFamily="49" charset="0"/>
+              </a:rPr>
+              <a:t> answer == </a:t>
+            </a:r>
+            <a:r>
+              <a:rPr lang="en-US" altLang="en-US" sz="2800" dirty="0">
+                <a:solidFill>
+                  <a:srgbClr val="A31515"/>
+                </a:solidFill>
+                <a:latin typeface="Consolas" panose="020B0609020204030204" pitchFamily="49" charset="0"/>
+                <a:cs typeface="Consolas" panose="020B0609020204030204" pitchFamily="49" charset="0"/>
+              </a:rPr>
+              <a:t>"yes"</a:t>
+            </a:r>
+            <a:r>
+              <a:rPr lang="en-US" altLang="en-US" sz="2800" dirty="0">
+                <a:solidFill>
+                  <a:srgbClr val="000000"/>
+                </a:solidFill>
+                <a:latin typeface="Consolas" panose="020B0609020204030204" pitchFamily="49" charset="0"/>
+                <a:cs typeface="Consolas" panose="020B0609020204030204" pitchFamily="49" charset="0"/>
+              </a:rPr>
+              <a:t> :</a:t>
+            </a:r>
+          </a:p>
+          <a:p>
+            <a:pPr marL="0" marR="0" lvl="0" indent="0" algn="l" defTabSz="914400" rtl="0" eaLnBrk="0" fontAlgn="base" latinLnBrk="0" hangingPunct="0">
+              <a:lnSpc>
+                <a:spcPct val="100000"/>
+              </a:lnSpc>
+              <a:spcBef>
+                <a:spcPct val="0"/>
+              </a:spcBef>
+              <a:spcAft>
+                <a:spcPct val="0"/>
+              </a:spcAft>
+              <a:buClrTx/>
+              <a:buSzTx/>
+              <a:buFontTx/>
+              <a:buNone/>
+              <a:tabLst/>
+            </a:pPr>
+            <a:r>
+              <a:rPr kumimoji="0" lang="en-US" altLang="en-US" sz="2800" i="0" u="none" strike="noStrike" cap="none" normalizeH="0" baseline="0" dirty="0" smtClean="0">
+                <a:ln>
+                  <a:noFill/>
+                </a:ln>
+                <a:solidFill>
+                  <a:srgbClr val="0000FF"/>
+                </a:solidFill>
+                <a:effectLst/>
+                <a:latin typeface="Consolas" panose="020B0609020204030204" pitchFamily="49" charset="0"/>
+                <a:cs typeface="Consolas" panose="020B0609020204030204" pitchFamily="49" charset="0"/>
+              </a:rPr>
+              <a:t>if</a:t>
+            </a:r>
+            <a:r>
+              <a:rPr kumimoji="0" lang="en-US" altLang="en-US" sz="2800" i="0" u="none" strike="noStrike" cap="none" normalizeH="0" baseline="0" dirty="0" smtClean="0">
+                <a:ln>
+                  <a:noFill/>
+                </a:ln>
+                <a:solidFill>
+                  <a:srgbClr val="000000"/>
+                </a:solidFill>
+                <a:effectLst/>
+                <a:latin typeface="Consolas" panose="020B0609020204030204" pitchFamily="49" charset="0"/>
+                <a:cs typeface="Consolas" panose="020B0609020204030204" pitchFamily="49" charset="0"/>
+              </a:rPr>
+              <a:t> not answer == </a:t>
+            </a:r>
+            <a:r>
+              <a:rPr kumimoji="0" lang="en-US" altLang="en-US" sz="2800" i="0" u="none" strike="noStrike" cap="none" normalizeH="0" baseline="0" dirty="0" smtClean="0">
+                <a:ln>
+                  <a:noFill/>
+                </a:ln>
+                <a:solidFill>
+                  <a:srgbClr val="A31515"/>
+                </a:solidFill>
+                <a:effectLst/>
+                <a:latin typeface="Consolas" panose="020B0609020204030204" pitchFamily="49" charset="0"/>
+                <a:cs typeface="Consolas" panose="020B0609020204030204" pitchFamily="49" charset="0"/>
+              </a:rPr>
+              <a:t>"no"</a:t>
+            </a:r>
+            <a:r>
+              <a:rPr kumimoji="0" lang="en-US" altLang="en-US" sz="2800" i="0" u="none" strike="noStrike" cap="none" normalizeH="0" baseline="0" dirty="0" smtClean="0">
+                <a:ln>
+                  <a:noFill/>
+                </a:ln>
+                <a:solidFill>
+                  <a:srgbClr val="000000"/>
+                </a:solidFill>
+                <a:effectLst/>
+                <a:latin typeface="Consolas" panose="020B0609020204030204" pitchFamily="49" charset="0"/>
+                <a:cs typeface="Consolas" panose="020B0609020204030204" pitchFamily="49" charset="0"/>
+              </a:rPr>
+              <a:t> :</a:t>
+            </a:r>
+          </a:p>
+          <a:p>
+            <a:pPr marL="0" marR="0" lvl="0" indent="0" algn="l" defTabSz="914400" rtl="0" eaLnBrk="0" fontAlgn="base" latinLnBrk="0" hangingPunct="0">
+              <a:lnSpc>
+                <a:spcPct val="100000"/>
+              </a:lnSpc>
+              <a:spcBef>
+                <a:spcPct val="0"/>
+              </a:spcBef>
+              <a:spcAft>
+                <a:spcPct val="0"/>
+              </a:spcAft>
+              <a:buClrTx/>
+              <a:buSzTx/>
+              <a:buFontTx/>
+              <a:buNone/>
+              <a:tabLst/>
+            </a:pPr>
+            <a:endParaRPr kumimoji="0" lang="en-US" altLang="en-US" sz="2800" i="0" u="none" strike="noStrike" cap="none" normalizeH="0" baseline="0" dirty="0" smtClean="0">
+              <a:ln>
+                <a:noFill/>
+              </a:ln>
+              <a:solidFill>
+                <a:srgbClr val="000000"/>
+              </a:solidFill>
+              <a:effectLst/>
+              <a:latin typeface="Consolas" panose="020B0609020204030204" pitchFamily="49" charset="0"/>
+              <a:cs typeface="Consolas" panose="020B0609020204030204" pitchFamily="49" charset="0"/>
+            </a:endParaRPr>
+          </a:p>
+          <a:p>
+            <a:pPr lvl="0" eaLnBrk="0" fontAlgn="base" hangingPunct="0">
+              <a:spcBef>
+                <a:spcPct val="0"/>
+              </a:spcBef>
+              <a:spcAft>
+                <a:spcPct val="0"/>
+              </a:spcAft>
+            </a:pPr>
+            <a:r>
+              <a:rPr lang="en-US" altLang="en-US" sz="2800" dirty="0">
+                <a:solidFill>
+                  <a:srgbClr val="0000FF"/>
+                </a:solidFill>
+                <a:latin typeface="Consolas" panose="020B0609020204030204" pitchFamily="49" charset="0"/>
+                <a:cs typeface="Consolas" panose="020B0609020204030204" pitchFamily="49" charset="0"/>
+              </a:rPr>
+              <a:t>if</a:t>
+            </a:r>
+            <a:r>
+              <a:rPr lang="en-US" altLang="en-US" sz="2800" dirty="0">
+                <a:solidFill>
+                  <a:srgbClr val="000000"/>
+                </a:solidFill>
+                <a:latin typeface="Consolas" panose="020B0609020204030204" pitchFamily="49" charset="0"/>
+                <a:cs typeface="Consolas" panose="020B0609020204030204" pitchFamily="49" charset="0"/>
+              </a:rPr>
+              <a:t> total &lt; 100 </a:t>
+            </a:r>
+            <a:r>
+              <a:rPr lang="en-US" altLang="en-US" sz="2800" dirty="0" smtClean="0">
+                <a:solidFill>
+                  <a:srgbClr val="000000"/>
+                </a:solidFill>
+                <a:latin typeface="Consolas" panose="020B0609020204030204" pitchFamily="49" charset="0"/>
+                <a:cs typeface="Consolas" panose="020B0609020204030204" pitchFamily="49" charset="0"/>
+              </a:rPr>
+              <a:t>:</a:t>
+            </a:r>
+          </a:p>
+          <a:p>
+            <a:pPr eaLnBrk="0" fontAlgn="base" hangingPunct="0">
+              <a:spcBef>
+                <a:spcPct val="0"/>
+              </a:spcBef>
+              <a:spcAft>
+                <a:spcPct val="0"/>
+              </a:spcAft>
+            </a:pPr>
+            <a:r>
+              <a:rPr lang="en-US" altLang="en-US" sz="2800" dirty="0">
+                <a:solidFill>
+                  <a:srgbClr val="0000FF"/>
+                </a:solidFill>
+                <a:latin typeface="Consolas" panose="020B0609020204030204" pitchFamily="49" charset="0"/>
+                <a:cs typeface="Consolas" panose="020B0609020204030204" pitchFamily="49" charset="0"/>
+              </a:rPr>
+              <a:t>if</a:t>
+            </a:r>
+            <a:r>
+              <a:rPr lang="en-US" altLang="en-US" sz="2800" dirty="0">
+                <a:solidFill>
+                  <a:srgbClr val="000000"/>
+                </a:solidFill>
+                <a:latin typeface="Consolas" panose="020B0609020204030204" pitchFamily="49" charset="0"/>
+                <a:cs typeface="Consolas" panose="020B0609020204030204" pitchFamily="49" charset="0"/>
+              </a:rPr>
+              <a:t> </a:t>
+            </a:r>
+            <a:r>
+              <a:rPr lang="en-US" altLang="en-US" sz="2800" dirty="0" smtClean="0">
+                <a:solidFill>
+                  <a:srgbClr val="000000"/>
+                </a:solidFill>
+                <a:latin typeface="Consolas" panose="020B0609020204030204" pitchFamily="49" charset="0"/>
+                <a:cs typeface="Consolas" panose="020B0609020204030204" pitchFamily="49" charset="0"/>
+              </a:rPr>
+              <a:t>not total &gt;= </a:t>
+            </a:r>
+            <a:r>
+              <a:rPr lang="en-US" altLang="en-US" sz="2800" dirty="0">
+                <a:solidFill>
+                  <a:srgbClr val="000000"/>
+                </a:solidFill>
+                <a:latin typeface="Consolas" panose="020B0609020204030204" pitchFamily="49" charset="0"/>
+                <a:cs typeface="Consolas" panose="020B0609020204030204" pitchFamily="49" charset="0"/>
+              </a:rPr>
+              <a:t>100 :</a:t>
+            </a:r>
+          </a:p>
+          <a:p>
+            <a:pPr lvl="0" eaLnBrk="0" fontAlgn="base" hangingPunct="0">
+              <a:spcBef>
+                <a:spcPct val="0"/>
+              </a:spcBef>
+              <a:spcAft>
+                <a:spcPct val="0"/>
+              </a:spcAft>
+            </a:pPr>
+            <a:endParaRPr kumimoji="0" lang="en-US" altLang="en-US" sz="2800" b="1" i="0" u="none" strike="noStrike" cap="none" normalizeH="0" baseline="0" dirty="0" smtClean="0">
+              <a:ln>
+                <a:noFill/>
+              </a:ln>
+              <a:solidFill>
+                <a:srgbClr val="000000"/>
+              </a:solidFill>
+              <a:effectLst/>
+              <a:latin typeface="Consolas" panose="020B0609020204030204" pitchFamily="49" charset="0"/>
+              <a:cs typeface="Consolas" panose="020B0609020204030204" pitchFamily="49" charset="0"/>
+            </a:endParaRPr>
+          </a:p>
+        </p:txBody>
+      </p:sp>
+      <p:sp>
+        <p:nvSpPr>
+          <p:cNvPr id="4" name="Title 3"/>
+          <p:cNvSpPr>
+            <a:spLocks noGrp="1"/>
+          </p:cNvSpPr>
+          <p:nvPr>
+            <p:ph type="title"/>
+          </p:nvPr>
+        </p:nvSpPr>
+        <p:spPr/>
+        <p:txBody>
+          <a:bodyPr>
+            <a:normAutofit fontScale="90000"/>
+          </a:bodyPr>
+          <a:lstStyle/>
+          <a:p>
+            <a:r>
+              <a:rPr lang="en-CA" dirty="0" smtClean="0"/>
+              <a:t>Almost every if statement can be written two ways</a:t>
+            </a:r>
+            <a:endParaRPr lang="en-US" dirty="0"/>
+          </a:p>
+        </p:txBody>
+      </p:sp>
+      <p:sp>
+        <p:nvSpPr>
+          <p:cNvPr id="11" name="TextBox 10"/>
+          <p:cNvSpPr txBox="1"/>
+          <p:nvPr/>
+        </p:nvSpPr>
+        <p:spPr>
+          <a:xfrm>
+            <a:off x="838200" y="4361070"/>
+            <a:ext cx="4349652" cy="1200329"/>
+          </a:xfrm>
+          <a:prstGeom prst="rect">
+            <a:avLst/>
+          </a:prstGeom>
+          <a:noFill/>
+        </p:spPr>
+        <p:txBody>
+          <a:bodyPr wrap="none" rtlCol="0">
+            <a:spAutoFit/>
+          </a:bodyPr>
+          <a:lstStyle/>
+          <a:p>
+            <a:r>
+              <a:rPr lang="en-CA" sz="3600" dirty="0" smtClean="0">
+                <a:latin typeface="Segoe UI Light" panose="020B0502040204020203" pitchFamily="34" charset="0"/>
+                <a:cs typeface="Segoe UI Light" panose="020B0502040204020203" pitchFamily="34" charset="0"/>
+              </a:rPr>
+              <a:t>Which do you prefer?</a:t>
+            </a:r>
+            <a:endParaRPr lang="en-CA" sz="3600" dirty="0">
+              <a:latin typeface="Segoe UI Light" panose="020B0502040204020203" pitchFamily="34" charset="0"/>
+              <a:cs typeface="Segoe UI Light" panose="020B0502040204020203" pitchFamily="34" charset="0"/>
+            </a:endParaRPr>
+          </a:p>
+          <a:p>
+            <a:endParaRPr lang="en-CA" sz="3600" dirty="0" smtClean="0"/>
+          </a:p>
+        </p:txBody>
+      </p:sp>
+    </p:spTree>
+    <p:extLst>
+      <p:ext uri="{BB962C8B-B14F-4D97-AF65-F5344CB8AC3E}">
+        <p14:creationId xmlns:p14="http://schemas.microsoft.com/office/powerpoint/2010/main" val="3606904350"/>
+      </p:ext>
+    </p:extLst>
+  </p:cSld>
+  <p:clrMapOvr>
+    <a:masterClrMapping/>
+  </p:clrMapOvr>
+  <p:timing>
+    <p:tnLst>
+      <p:par>
+        <p:cTn id="1" dur="indefinite" restart="never" nodeType="tmRoot">
+          <p:childTnLst>
+            <p:seq concurrent="1" nextAc="seek">
+              <p:cTn id="2" dur="indefinite" nodeType="mainSeq">
+                <p:childTnLst>
+                  <p:par>
+                    <p:cTn id="3" fill="hold">
+                      <p:stCondLst>
+                        <p:cond delay="indefinite"/>
+                      </p:stCondLst>
+                      <p:childTnLst>
+                        <p:par>
+                          <p:cTn id="4" fill="hold">
+                            <p:stCondLst>
+                              <p:cond delay="0"/>
+                            </p:stCondLst>
+                            <p:childTnLst>
+                              <p:par>
+                                <p:cTn id="5" presetID="1" presetClass="entr" presetSubtype="0" fill="hold" grpId="0" nodeType="clickEffect">
+                                  <p:stCondLst>
+                                    <p:cond delay="0"/>
+                                  </p:stCondLst>
+                                  <p:childTnLst>
+                                    <p:set>
+                                      <p:cBhvr>
+                                        <p:cTn id="6" dur="1" fill="hold">
+                                          <p:stCondLst>
+                                            <p:cond delay="0"/>
+                                          </p:stCondLst>
+                                        </p:cTn>
+                                        <p:tgtEl>
+                                          <p:spTgt spid="11"/>
+                                        </p:tgtEl>
+                                        <p:attrNameLst>
+                                          <p:attrName>style.visibility</p:attrName>
+                                        </p:attrNameLst>
+                                      </p:cBhvr>
+                                      <p:to>
+                                        <p:strVal val="visible"/>
+                                      </p:to>
+                                    </p:set>
+                                  </p:childTnLst>
+                                </p:cTn>
+                              </p:par>
+                            </p:childTnLst>
+                          </p:cTn>
+                        </p:par>
+                      </p:childTnLst>
+                    </p:cTn>
+                  </p:par>
+                </p:childTnLst>
+              </p:cTn>
+              <p:prevCondLst>
+                <p:cond evt="onPrev" delay="0">
+                  <p:tgtEl>
+                    <p:sldTgt/>
+                  </p:tgtEl>
+                </p:cond>
+              </p:prevCondLst>
+              <p:nextCondLst>
+                <p:cond evt="onNext" delay="0">
+                  <p:tgtEl>
+                    <p:sldTgt/>
+                  </p:tgtEl>
+                </p:cond>
+              </p:nextCondLst>
+            </p:seq>
+          </p:childTnLst>
+        </p:cTn>
+      </p:par>
+    </p:tnLst>
+    <p:bldLst>
+      <p:bldP spid="11" grpId="0"/>
+    </p:bldLst>
+  </p:timing>
+</p:sld>
+</file>
+
+<file path=ppt/slides/slide11.xml><?xml version="1.0" encoding="utf-8"?>
 <p:sld xmlns:a="http://schemas.openxmlformats.org/drawingml/2006/main" xmlns:r="http://schemas.openxmlformats.org/officeDocument/2006/relationships" xmlns:p="http://schemas.openxmlformats.org/presentationml/2006/main">
   <p:cSld>
     <p:spTree>
@@ -4261,7 +4758,7 @@
 </p:sld>
 </file>
 
-<file path=ppt/slides/slide11.xml><?xml version="1.0" encoding="utf-8"?>
+<file path=ppt/slides/slide12.xml><?xml version="1.0" encoding="utf-8"?>
 <p:sld xmlns:a="http://schemas.openxmlformats.org/drawingml/2006/main" xmlns:r="http://schemas.openxmlformats.org/officeDocument/2006/relationships" xmlns:p="http://schemas.openxmlformats.org/presentationml/2006/main">
   <p:cSld>
     <p:spTree>
@@ -4773,7 +5270,7 @@
 </p:sld>
 </file>
 
-<file path=ppt/slides/slide12.xml><?xml version="1.0" encoding="utf-8"?>
+<file path=ppt/slides/slide13.xml><?xml version="1.0" encoding="utf-8"?>
 <p:sld xmlns:a="http://schemas.openxmlformats.org/drawingml/2006/main" xmlns:r="http://schemas.openxmlformats.org/officeDocument/2006/relationships" xmlns:p="http://schemas.openxmlformats.org/presentationml/2006/main">
   <p:cSld>
     <p:spTree>
@@ -5444,7 +5941,7 @@
 </p:sld>
 </file>
 
-<file path=ppt/slides/slide13.xml><?xml version="1.0" encoding="utf-8"?>
+<file path=ppt/slides/slide14.xml><?xml version="1.0" encoding="utf-8"?>
 <p:sld xmlns:a="http://schemas.openxmlformats.org/drawingml/2006/main" xmlns:r="http://schemas.openxmlformats.org/officeDocument/2006/relationships" xmlns:p="http://schemas.openxmlformats.org/presentationml/2006/main">
   <p:cSld>
     <p:spTree>
@@ -6079,7 +6576,7 @@
 </p:sld>
 </file>
 
-<file path=ppt/slides/slide14.xml><?xml version="1.0" encoding="utf-8"?>
+<file path=ppt/slides/slide15.xml><?xml version="1.0" encoding="utf-8"?>
 <p:sld xmlns:a="http://schemas.openxmlformats.org/drawingml/2006/main" xmlns:r="http://schemas.openxmlformats.org/officeDocument/2006/relationships" xmlns:p="http://schemas.openxmlformats.org/presentationml/2006/main">
   <p:cSld>
     <p:spTree>
@@ -6132,7 +6629,7 @@
 </p:sld>
 </file>
 
-<file path=ppt/slides/slide15.xml><?xml version="1.0" encoding="utf-8"?>
+<file path=ppt/slides/slide16.xml><?xml version="1.0" encoding="utf-8"?>
 <p:sld xmlns:a="http://schemas.openxmlformats.org/drawingml/2006/main" xmlns:r="http://schemas.openxmlformats.org/officeDocument/2006/relationships" xmlns:p="http://schemas.openxmlformats.org/presentationml/2006/main">
   <p:cSld>
     <p:spTree>
@@ -6633,7 +7130,79 @@
 </p:sld>
 </file>
 
-<file path=ppt/slides/slide16.xml><?xml version="1.0" encoding="utf-8"?>
+<file path=ppt/slides/slide17.xml><?xml version="1.0" encoding="utf-8"?>
+<p:sld xmlns:a="http://schemas.openxmlformats.org/drawingml/2006/main" xmlns:r="http://schemas.openxmlformats.org/officeDocument/2006/relationships" xmlns:p="http://schemas.openxmlformats.org/presentationml/2006/main">
+  <p:cSld>
+    <p:spTree>
+      <p:nvGrpSpPr>
+        <p:cNvPr id="1" name=""/>
+        <p:cNvGrpSpPr/>
+        <p:nvPr/>
+      </p:nvGrpSpPr>
+      <p:grpSpPr>
+        <a:xfrm>
+          <a:off x="0" y="0"/>
+          <a:ext cx="0" cy="0"/>
+          <a:chOff x="0" y="0"/>
+          <a:chExt cx="0" cy="0"/>
+        </a:xfrm>
+      </p:grpSpPr>
+      <p:sp>
+        <p:nvSpPr>
+          <p:cNvPr id="4" name="Text Placeholder 3"/>
+          <p:cNvSpPr>
+            <a:spLocks noGrp="1"/>
+          </p:cNvSpPr>
+          <p:nvPr>
+            <p:ph type="body" sz="quarter" idx="10"/>
+          </p:nvPr>
+        </p:nvSpPr>
+        <p:spPr/>
+        <p:txBody>
+          <a:bodyPr/>
+          <a:lstStyle/>
+          <a:p>
+            <a:r>
+              <a:rPr lang="en-US" dirty="0" smtClean="0"/>
+              <a:t>Handling user input</a:t>
+            </a:r>
+            <a:endParaRPr lang="en-US" dirty="0"/>
+          </a:p>
+        </p:txBody>
+      </p:sp>
+      <p:sp>
+        <p:nvSpPr>
+          <p:cNvPr id="3" name="Subtitle 2"/>
+          <p:cNvSpPr>
+            <a:spLocks noGrp="1"/>
+          </p:cNvSpPr>
+          <p:nvPr>
+            <p:ph type="subTitle" idx="1"/>
+          </p:nvPr>
+        </p:nvSpPr>
+        <p:spPr/>
+        <p:txBody>
+          <a:bodyPr/>
+          <a:lstStyle/>
+          <a:p>
+            <a:endParaRPr lang="en-US"/>
+          </a:p>
+        </p:txBody>
+      </p:sp>
+    </p:spTree>
+    <p:extLst>
+      <p:ext uri="{BB962C8B-B14F-4D97-AF65-F5344CB8AC3E}">
+        <p14:creationId xmlns:p14="http://schemas.microsoft.com/office/powerpoint/2010/main" val="756519587"/>
+      </p:ext>
+    </p:extLst>
+  </p:cSld>
+  <p:clrMapOvr>
+    <a:masterClrMapping/>
+  </p:clrMapOvr>
+</p:sld>
+</file>
+
+<file path=ppt/slides/slide18.xml><?xml version="1.0" encoding="utf-8"?>
 <p:sld xmlns:a="http://schemas.openxmlformats.org/drawingml/2006/main" xmlns:r="http://schemas.openxmlformats.org/officeDocument/2006/relationships" xmlns:p="http://schemas.openxmlformats.org/presentationml/2006/main">
   <p:cSld>
     <p:spTree>
@@ -6686,7 +7255,7 @@
 </p:sld>
 </file>
 
-<file path=ppt/slides/slide17.xml><?xml version="1.0" encoding="utf-8"?>
+<file path=ppt/slides/slide19.xml><?xml version="1.0" encoding="utf-8"?>
 <p:sld xmlns:a="http://schemas.openxmlformats.org/drawingml/2006/main" xmlns:r="http://schemas.openxmlformats.org/officeDocument/2006/relationships" xmlns:p="http://schemas.openxmlformats.org/presentationml/2006/main">
   <p:cSld>
     <p:spTree>
@@ -7362,7 +7931,275 @@
 </p:sld>
 </file>
 
-<file path=ppt/slides/slide18.xml><?xml version="1.0" encoding="utf-8"?>
+<file path=ppt/slides/slide2.xml><?xml version="1.0" encoding="utf-8"?>
+<p:sld xmlns:a="http://schemas.openxmlformats.org/drawingml/2006/main" xmlns:r="http://schemas.openxmlformats.org/officeDocument/2006/relationships" xmlns:p="http://schemas.openxmlformats.org/presentationml/2006/main">
+  <p:cSld>
+    <p:spTree>
+      <p:nvGrpSpPr>
+        <p:cNvPr id="1" name=""/>
+        <p:cNvGrpSpPr/>
+        <p:nvPr/>
+      </p:nvGrpSpPr>
+      <p:grpSpPr>
+        <a:xfrm>
+          <a:off x="0" y="0"/>
+          <a:ext cx="0" cy="0"/>
+          <a:chOff x="0" y="0"/>
+          <a:chExt cx="0" cy="0"/>
+        </a:xfrm>
+      </p:grpSpPr>
+      <p:sp>
+        <p:nvSpPr>
+          <p:cNvPr id="4" name="Title 3"/>
+          <p:cNvSpPr>
+            <a:spLocks noGrp="1"/>
+          </p:cNvSpPr>
+          <p:nvPr>
+            <p:ph type="title"/>
+          </p:nvPr>
+        </p:nvSpPr>
+        <p:spPr/>
+        <p:txBody>
+          <a:bodyPr/>
+          <a:lstStyle/>
+          <a:p>
+            <a:r>
+              <a:rPr lang="en-CA" dirty="0" smtClean="0"/>
+              <a:t>Every day we are faced with decisions</a:t>
+            </a:r>
+            <a:endParaRPr lang="en-US" dirty="0"/>
+          </a:p>
+        </p:txBody>
+      </p:sp>
+      <p:sp>
+        <p:nvSpPr>
+          <p:cNvPr id="5" name="Content Placeholder 4"/>
+          <p:cNvSpPr>
+            <a:spLocks noGrp="1"/>
+          </p:cNvSpPr>
+          <p:nvPr>
+            <p:ph sz="quarter" idx="10"/>
+          </p:nvPr>
+        </p:nvSpPr>
+        <p:spPr/>
+        <p:txBody>
+          <a:bodyPr/>
+          <a:lstStyle/>
+          <a:p>
+            <a:r>
+              <a:rPr lang="en-CA" dirty="0" smtClean="0"/>
+              <a:t>Should I drive or take the bus?</a:t>
+            </a:r>
+          </a:p>
+          <a:p>
+            <a:r>
+              <a:rPr lang="en-CA" dirty="0" smtClean="0"/>
+              <a:t>Should I cook at home or go out for dinner?</a:t>
+            </a:r>
+          </a:p>
+          <a:p>
+            <a:r>
+              <a:rPr lang="en-CA" dirty="0" smtClean="0"/>
+              <a:t>Which laptop should I buy?</a:t>
+            </a:r>
+            <a:endParaRPr lang="en-US" dirty="0"/>
+          </a:p>
+        </p:txBody>
+      </p:sp>
+    </p:spTree>
+    <p:extLst>
+      <p:ext uri="{BB962C8B-B14F-4D97-AF65-F5344CB8AC3E}">
+        <p14:creationId xmlns:p14="http://schemas.microsoft.com/office/powerpoint/2010/main" val="3339403682"/>
+      </p:ext>
+    </p:extLst>
+  </p:cSld>
+  <p:clrMapOvr>
+    <a:masterClrMapping/>
+  </p:clrMapOvr>
+  <p:timing>
+    <p:tnLst>
+      <p:par>
+        <p:cTn id="1" dur="indefinite" restart="never" nodeType="tmRoot">
+          <p:childTnLst>
+            <p:seq concurrent="1" nextAc="seek">
+              <p:cTn id="2" dur="indefinite" nodeType="mainSeq">
+                <p:childTnLst>
+                  <p:par>
+                    <p:cTn id="3" fill="hold">
+                      <p:stCondLst>
+                        <p:cond delay="indefinite"/>
+                      </p:stCondLst>
+                      <p:childTnLst>
+                        <p:par>
+                          <p:cTn id="4" fill="hold">
+                            <p:stCondLst>
+                              <p:cond delay="0"/>
+                            </p:stCondLst>
+                            <p:childTnLst>
+                              <p:par>
+                                <p:cTn id="5" presetID="1" presetClass="entr" presetSubtype="0" fill="hold" grpId="0" nodeType="clickEffect">
+                                  <p:stCondLst>
+                                    <p:cond delay="0"/>
+                                  </p:stCondLst>
+                                  <p:childTnLst>
+                                    <p:set>
+                                      <p:cBhvr>
+                                        <p:cTn id="6" dur="1" fill="hold">
+                                          <p:stCondLst>
+                                            <p:cond delay="0"/>
+                                          </p:stCondLst>
+                                        </p:cTn>
+                                        <p:tgtEl>
+                                          <p:spTgt spid="5">
+                                            <p:txEl>
+                                              <p:pRg st="0" end="0"/>
+                                            </p:txEl>
+                                          </p:spTgt>
+                                        </p:tgtEl>
+                                        <p:attrNameLst>
+                                          <p:attrName>style.visibility</p:attrName>
+                                        </p:attrNameLst>
+                                      </p:cBhvr>
+                                      <p:to>
+                                        <p:strVal val="visible"/>
+                                      </p:to>
+                                    </p:set>
+                                  </p:childTnLst>
+                                </p:cTn>
+                              </p:par>
+                            </p:childTnLst>
+                          </p:cTn>
+                        </p:par>
+                      </p:childTnLst>
+                    </p:cTn>
+                  </p:par>
+                  <p:par>
+                    <p:cTn id="7" fill="hold">
+                      <p:stCondLst>
+                        <p:cond delay="indefinite"/>
+                      </p:stCondLst>
+                      <p:childTnLst>
+                        <p:par>
+                          <p:cTn id="8" fill="hold">
+                            <p:stCondLst>
+                              <p:cond delay="0"/>
+                            </p:stCondLst>
+                            <p:childTnLst>
+                              <p:par>
+                                <p:cTn id="9" presetID="1" presetClass="entr" presetSubtype="0" fill="hold" grpId="0" nodeType="clickEffect">
+                                  <p:stCondLst>
+                                    <p:cond delay="0"/>
+                                  </p:stCondLst>
+                                  <p:childTnLst>
+                                    <p:set>
+                                      <p:cBhvr>
+                                        <p:cTn id="10" dur="1" fill="hold">
+                                          <p:stCondLst>
+                                            <p:cond delay="0"/>
+                                          </p:stCondLst>
+                                        </p:cTn>
+                                        <p:tgtEl>
+                                          <p:spTgt spid="5">
+                                            <p:txEl>
+                                              <p:pRg st="1" end="1"/>
+                                            </p:txEl>
+                                          </p:spTgt>
+                                        </p:tgtEl>
+                                        <p:attrNameLst>
+                                          <p:attrName>style.visibility</p:attrName>
+                                        </p:attrNameLst>
+                                      </p:cBhvr>
+                                      <p:to>
+                                        <p:strVal val="visible"/>
+                                      </p:to>
+                                    </p:set>
+                                  </p:childTnLst>
+                                </p:cTn>
+                              </p:par>
+                            </p:childTnLst>
+                          </p:cTn>
+                        </p:par>
+                      </p:childTnLst>
+                    </p:cTn>
+                  </p:par>
+                  <p:par>
+                    <p:cTn id="11" fill="hold">
+                      <p:stCondLst>
+                        <p:cond delay="indefinite"/>
+                      </p:stCondLst>
+                      <p:childTnLst>
+                        <p:par>
+                          <p:cTn id="12" fill="hold">
+                            <p:stCondLst>
+                              <p:cond delay="0"/>
+                            </p:stCondLst>
+                            <p:childTnLst>
+                              <p:par>
+                                <p:cTn id="13" presetID="1" presetClass="entr" presetSubtype="0" fill="hold" grpId="0" nodeType="clickEffect">
+                                  <p:stCondLst>
+                                    <p:cond delay="0"/>
+                                  </p:stCondLst>
+                                  <p:childTnLst>
+                                    <p:set>
+                                      <p:cBhvr>
+                                        <p:cTn id="14" dur="1" fill="hold">
+                                          <p:stCondLst>
+                                            <p:cond delay="0"/>
+                                          </p:stCondLst>
+                                        </p:cTn>
+                                        <p:tgtEl>
+                                          <p:spTgt spid="5">
+                                            <p:txEl>
+                                              <p:pRg st="2" end="2"/>
+                                            </p:txEl>
+                                          </p:spTgt>
+                                        </p:tgtEl>
+                                        <p:attrNameLst>
+                                          <p:attrName>style.visibility</p:attrName>
+                                        </p:attrNameLst>
+                                      </p:cBhvr>
+                                      <p:to>
+                                        <p:strVal val="visible"/>
+                                      </p:to>
+                                    </p:set>
+                                  </p:childTnLst>
+                                </p:cTn>
+                              </p:par>
+                            </p:childTnLst>
+                          </p:cTn>
+                        </p:par>
+                      </p:childTnLst>
+                    </p:cTn>
+                  </p:par>
+                </p:childTnLst>
+              </p:cTn>
+              <p:prevCondLst>
+                <p:cond evt="onPrev" delay="0">
+                  <p:tgtEl>
+                    <p:sldTgt/>
+                  </p:tgtEl>
+                </p:cond>
+              </p:prevCondLst>
+              <p:nextCondLst>
+                <p:cond evt="onNext" delay="0">
+                  <p:tgtEl>
+                    <p:sldTgt/>
+                  </p:tgtEl>
+                </p:cond>
+              </p:nextCondLst>
+            </p:seq>
+          </p:childTnLst>
+        </p:cTn>
+      </p:par>
+    </p:tnLst>
+    <p:bldLst>
+      <p:bldP spid="5" grpId="0" build="p"/>
+    </p:bldLst>
+  </p:timing>
+</p:sld>
+</file>
+
+<file path=ppt/slides/slide20.xml><?xml version="1.0" encoding="utf-8"?>
 <p:sld xmlns:a="http://schemas.openxmlformats.org/drawingml/2006/main" xmlns:r="http://schemas.openxmlformats.org/officeDocument/2006/relationships" xmlns:p="http://schemas.openxmlformats.org/presentationml/2006/main">
   <p:cSld>
     <p:spTree>
@@ -8280,7 +9117,79 @@
 </p:sld>
 </file>
 
-<file path=ppt/slides/slide19.xml><?xml version="1.0" encoding="utf-8"?>
+<file path=ppt/slides/slide21.xml><?xml version="1.0" encoding="utf-8"?>
+<p:sld xmlns:a="http://schemas.openxmlformats.org/drawingml/2006/main" xmlns:r="http://schemas.openxmlformats.org/officeDocument/2006/relationships" xmlns:p="http://schemas.openxmlformats.org/presentationml/2006/main">
+  <p:cSld>
+    <p:spTree>
+      <p:nvGrpSpPr>
+        <p:cNvPr id="1" name=""/>
+        <p:cNvGrpSpPr/>
+        <p:nvPr/>
+      </p:nvGrpSpPr>
+      <p:grpSpPr>
+        <a:xfrm>
+          <a:off x="0" y="0"/>
+          <a:ext cx="0" cy="0"/>
+          <a:chOff x="0" y="0"/>
+          <a:chExt cx="0" cy="0"/>
+        </a:xfrm>
+      </p:grpSpPr>
+      <p:sp>
+        <p:nvSpPr>
+          <p:cNvPr id="5" name="Text Placeholder 4"/>
+          <p:cNvSpPr>
+            <a:spLocks noGrp="1"/>
+          </p:cNvSpPr>
+          <p:nvPr>
+            <p:ph type="body" sz="quarter" idx="10"/>
+          </p:nvPr>
+        </p:nvSpPr>
+        <p:spPr/>
+        <p:txBody>
+          <a:bodyPr/>
+          <a:lstStyle/>
+          <a:p>
+            <a:r>
+              <a:rPr lang="en-US" dirty="0" smtClean="0"/>
+              <a:t>Branching</a:t>
+            </a:r>
+            <a:endParaRPr lang="en-US" dirty="0"/>
+          </a:p>
+        </p:txBody>
+      </p:sp>
+      <p:sp>
+        <p:nvSpPr>
+          <p:cNvPr id="4" name="Subtitle 3"/>
+          <p:cNvSpPr>
+            <a:spLocks noGrp="1"/>
+          </p:cNvSpPr>
+          <p:nvPr>
+            <p:ph type="subTitle" idx="1"/>
+          </p:nvPr>
+        </p:nvSpPr>
+        <p:spPr/>
+        <p:txBody>
+          <a:bodyPr/>
+          <a:lstStyle/>
+          <a:p>
+            <a:endParaRPr lang="en-US"/>
+          </a:p>
+        </p:txBody>
+      </p:sp>
+    </p:spTree>
+    <p:extLst>
+      <p:ext uri="{BB962C8B-B14F-4D97-AF65-F5344CB8AC3E}">
+        <p14:creationId xmlns:p14="http://schemas.microsoft.com/office/powerpoint/2010/main" val="369281992"/>
+      </p:ext>
+    </p:extLst>
+  </p:cSld>
+  <p:clrMapOvr>
+    <a:masterClrMapping/>
+  </p:clrMapOvr>
+</p:sld>
+</file>
+
+<file path=ppt/slides/slide22.xml><?xml version="1.0" encoding="utf-8"?>
 <p:sld xmlns:a="http://schemas.openxmlformats.org/drawingml/2006/main" xmlns:r="http://schemas.openxmlformats.org/officeDocument/2006/relationships" xmlns:p="http://schemas.openxmlformats.org/presentationml/2006/main">
   <p:cSld>
     <p:spTree>
@@ -8995,7 +9904,7 @@
 </p:sld>
 </file>
 
-<file path=ppt/slides/slide2.xml><?xml version="1.0" encoding="utf-8"?>
+<file path=ppt/slides/slide23.xml><?xml version="1.0" encoding="utf-8"?>
 <p:sld xmlns:a="http://schemas.openxmlformats.org/drawingml/2006/main" xmlns:r="http://schemas.openxmlformats.org/officeDocument/2006/relationships" xmlns:p="http://schemas.openxmlformats.org/presentationml/2006/main">
   <p:cSld>
     <p:spTree>
@@ -9029,274 +9938,6 @@
           <a:p>
             <a:r>
               <a:rPr lang="en-CA" dirty="0" smtClean="0"/>
-              <a:t>Every day we are faced with decisions</a:t>
-            </a:r>
-            <a:endParaRPr lang="en-US" dirty="0"/>
-          </a:p>
-        </p:txBody>
-      </p:sp>
-      <p:sp>
-        <p:nvSpPr>
-          <p:cNvPr id="5" name="Content Placeholder 4"/>
-          <p:cNvSpPr>
-            <a:spLocks noGrp="1"/>
-          </p:cNvSpPr>
-          <p:nvPr>
-            <p:ph sz="quarter" idx="10"/>
-          </p:nvPr>
-        </p:nvSpPr>
-        <p:spPr/>
-        <p:txBody>
-          <a:bodyPr/>
-          <a:lstStyle/>
-          <a:p>
-            <a:r>
-              <a:rPr lang="en-CA" dirty="0" smtClean="0"/>
-              <a:t>Should I drive or take the bus?</a:t>
-            </a:r>
-          </a:p>
-          <a:p>
-            <a:r>
-              <a:rPr lang="en-CA" dirty="0" smtClean="0"/>
-              <a:t>Should I cook at home or go out for dinner?</a:t>
-            </a:r>
-          </a:p>
-          <a:p>
-            <a:r>
-              <a:rPr lang="en-CA" dirty="0" smtClean="0"/>
-              <a:t>Which laptop should I buy?</a:t>
-            </a:r>
-            <a:endParaRPr lang="en-US" dirty="0"/>
-          </a:p>
-        </p:txBody>
-      </p:sp>
-    </p:spTree>
-    <p:extLst>
-      <p:ext uri="{BB962C8B-B14F-4D97-AF65-F5344CB8AC3E}">
-        <p14:creationId xmlns:p14="http://schemas.microsoft.com/office/powerpoint/2010/main" val="3339403682"/>
-      </p:ext>
-    </p:extLst>
-  </p:cSld>
-  <p:clrMapOvr>
-    <a:masterClrMapping/>
-  </p:clrMapOvr>
-  <p:timing>
-    <p:tnLst>
-      <p:par>
-        <p:cTn id="1" dur="indefinite" restart="never" nodeType="tmRoot">
-          <p:childTnLst>
-            <p:seq concurrent="1" nextAc="seek">
-              <p:cTn id="2" dur="indefinite" nodeType="mainSeq">
-                <p:childTnLst>
-                  <p:par>
-                    <p:cTn id="3" fill="hold">
-                      <p:stCondLst>
-                        <p:cond delay="indefinite"/>
-                      </p:stCondLst>
-                      <p:childTnLst>
-                        <p:par>
-                          <p:cTn id="4" fill="hold">
-                            <p:stCondLst>
-                              <p:cond delay="0"/>
-                            </p:stCondLst>
-                            <p:childTnLst>
-                              <p:par>
-                                <p:cTn id="5" presetID="1" presetClass="entr" presetSubtype="0" fill="hold" grpId="0" nodeType="clickEffect">
-                                  <p:stCondLst>
-                                    <p:cond delay="0"/>
-                                  </p:stCondLst>
-                                  <p:childTnLst>
-                                    <p:set>
-                                      <p:cBhvr>
-                                        <p:cTn id="6" dur="1" fill="hold">
-                                          <p:stCondLst>
-                                            <p:cond delay="0"/>
-                                          </p:stCondLst>
-                                        </p:cTn>
-                                        <p:tgtEl>
-                                          <p:spTgt spid="5">
-                                            <p:txEl>
-                                              <p:pRg st="0" end="0"/>
-                                            </p:txEl>
-                                          </p:spTgt>
-                                        </p:tgtEl>
-                                        <p:attrNameLst>
-                                          <p:attrName>style.visibility</p:attrName>
-                                        </p:attrNameLst>
-                                      </p:cBhvr>
-                                      <p:to>
-                                        <p:strVal val="visible"/>
-                                      </p:to>
-                                    </p:set>
-                                  </p:childTnLst>
-                                </p:cTn>
-                              </p:par>
-                            </p:childTnLst>
-                          </p:cTn>
-                        </p:par>
-                      </p:childTnLst>
-                    </p:cTn>
-                  </p:par>
-                  <p:par>
-                    <p:cTn id="7" fill="hold">
-                      <p:stCondLst>
-                        <p:cond delay="indefinite"/>
-                      </p:stCondLst>
-                      <p:childTnLst>
-                        <p:par>
-                          <p:cTn id="8" fill="hold">
-                            <p:stCondLst>
-                              <p:cond delay="0"/>
-                            </p:stCondLst>
-                            <p:childTnLst>
-                              <p:par>
-                                <p:cTn id="9" presetID="1" presetClass="entr" presetSubtype="0" fill="hold" grpId="0" nodeType="clickEffect">
-                                  <p:stCondLst>
-                                    <p:cond delay="0"/>
-                                  </p:stCondLst>
-                                  <p:childTnLst>
-                                    <p:set>
-                                      <p:cBhvr>
-                                        <p:cTn id="10" dur="1" fill="hold">
-                                          <p:stCondLst>
-                                            <p:cond delay="0"/>
-                                          </p:stCondLst>
-                                        </p:cTn>
-                                        <p:tgtEl>
-                                          <p:spTgt spid="5">
-                                            <p:txEl>
-                                              <p:pRg st="1" end="1"/>
-                                            </p:txEl>
-                                          </p:spTgt>
-                                        </p:tgtEl>
-                                        <p:attrNameLst>
-                                          <p:attrName>style.visibility</p:attrName>
-                                        </p:attrNameLst>
-                                      </p:cBhvr>
-                                      <p:to>
-                                        <p:strVal val="visible"/>
-                                      </p:to>
-                                    </p:set>
-                                  </p:childTnLst>
-                                </p:cTn>
-                              </p:par>
-                            </p:childTnLst>
-                          </p:cTn>
-                        </p:par>
-                      </p:childTnLst>
-                    </p:cTn>
-                  </p:par>
-                  <p:par>
-                    <p:cTn id="11" fill="hold">
-                      <p:stCondLst>
-                        <p:cond delay="indefinite"/>
-                      </p:stCondLst>
-                      <p:childTnLst>
-                        <p:par>
-                          <p:cTn id="12" fill="hold">
-                            <p:stCondLst>
-                              <p:cond delay="0"/>
-                            </p:stCondLst>
-                            <p:childTnLst>
-                              <p:par>
-                                <p:cTn id="13" presetID="1" presetClass="entr" presetSubtype="0" fill="hold" grpId="0" nodeType="clickEffect">
-                                  <p:stCondLst>
-                                    <p:cond delay="0"/>
-                                  </p:stCondLst>
-                                  <p:childTnLst>
-                                    <p:set>
-                                      <p:cBhvr>
-                                        <p:cTn id="14" dur="1" fill="hold">
-                                          <p:stCondLst>
-                                            <p:cond delay="0"/>
-                                          </p:stCondLst>
-                                        </p:cTn>
-                                        <p:tgtEl>
-                                          <p:spTgt spid="5">
-                                            <p:txEl>
-                                              <p:pRg st="2" end="2"/>
-                                            </p:txEl>
-                                          </p:spTgt>
-                                        </p:tgtEl>
-                                        <p:attrNameLst>
-                                          <p:attrName>style.visibility</p:attrName>
-                                        </p:attrNameLst>
-                                      </p:cBhvr>
-                                      <p:to>
-                                        <p:strVal val="visible"/>
-                                      </p:to>
-                                    </p:set>
-                                  </p:childTnLst>
-                                </p:cTn>
-                              </p:par>
-                            </p:childTnLst>
-                          </p:cTn>
-                        </p:par>
-                      </p:childTnLst>
-                    </p:cTn>
-                  </p:par>
-                </p:childTnLst>
-              </p:cTn>
-              <p:prevCondLst>
-                <p:cond evt="onPrev" delay="0">
-                  <p:tgtEl>
-                    <p:sldTgt/>
-                  </p:tgtEl>
-                </p:cond>
-              </p:prevCondLst>
-              <p:nextCondLst>
-                <p:cond evt="onNext" delay="0">
-                  <p:tgtEl>
-                    <p:sldTgt/>
-                  </p:tgtEl>
-                </p:cond>
-              </p:nextCondLst>
-            </p:seq>
-          </p:childTnLst>
-        </p:cTn>
-      </p:par>
-    </p:tnLst>
-    <p:bldLst>
-      <p:bldP spid="5" grpId="0" build="p"/>
-    </p:bldLst>
-  </p:timing>
-</p:sld>
-</file>
-
-<file path=ppt/slides/slide20.xml><?xml version="1.0" encoding="utf-8"?>
-<p:sld xmlns:a="http://schemas.openxmlformats.org/drawingml/2006/main" xmlns:r="http://schemas.openxmlformats.org/officeDocument/2006/relationships" xmlns:p="http://schemas.openxmlformats.org/presentationml/2006/main">
-  <p:cSld>
-    <p:spTree>
-      <p:nvGrpSpPr>
-        <p:cNvPr id="1" name=""/>
-        <p:cNvGrpSpPr/>
-        <p:nvPr/>
-      </p:nvGrpSpPr>
-      <p:grpSpPr>
-        <a:xfrm>
-          <a:off x="0" y="0"/>
-          <a:ext cx="0" cy="0"/>
-          <a:chOff x="0" y="0"/>
-          <a:chExt cx="0" cy="0"/>
-        </a:xfrm>
-      </p:grpSpPr>
-      <p:sp>
-        <p:nvSpPr>
-          <p:cNvPr id="4" name="Title 3"/>
-          <p:cNvSpPr>
-            <a:spLocks noGrp="1"/>
-          </p:cNvSpPr>
-          <p:nvPr>
-            <p:ph type="title"/>
-          </p:nvPr>
-        </p:nvSpPr>
-        <p:spPr/>
-        <p:txBody>
-          <a:bodyPr/>
-          <a:lstStyle/>
-          <a:p>
-            <a:r>
-              <a:rPr lang="en-CA" dirty="0" smtClean="0"/>
               <a:t>Adding an else clause</a:t>
             </a:r>
             <a:endParaRPr lang="en-US" dirty="0"/>
@@ -9316,7 +9957,7 @@
 </p:sld>
 </file>
 
-<file path=ppt/slides/slide21.xml><?xml version="1.0" encoding="utf-8"?>
+<file path=ppt/slides/slide24.xml><?xml version="1.0" encoding="utf-8"?>
 <p:sld xmlns:a="http://schemas.openxmlformats.org/drawingml/2006/main" xmlns:r="http://schemas.openxmlformats.org/officeDocument/2006/relationships" xmlns:p="http://schemas.openxmlformats.org/presentationml/2006/main">
   <p:cSld>
     <p:spTree>
@@ -10183,7 +10824,7 @@
 </p:sld>
 </file>
 
-<file path=ppt/slides/slide22.xml><?xml version="1.0" encoding="utf-8"?>
+<file path=ppt/slides/slide25.xml><?xml version="1.0" encoding="utf-8"?>
 <p:sld xmlns:a="http://schemas.openxmlformats.org/drawingml/2006/main" xmlns:r="http://schemas.openxmlformats.org/officeDocument/2006/relationships" xmlns:p="http://schemas.openxmlformats.org/presentationml/2006/main">
   <p:cSld>
     <p:spTree>
@@ -10236,7 +10877,7 @@
 </p:sld>
 </file>
 
-<file path=ppt/slides/slide23.xml><?xml version="1.0" encoding="utf-8"?>
+<file path=ppt/slides/slide26.xml><?xml version="1.0" encoding="utf-8"?>
 <p:sld xmlns:a="http://schemas.openxmlformats.org/drawingml/2006/main" xmlns:r="http://schemas.openxmlformats.org/officeDocument/2006/relationships" xmlns:p="http://schemas.openxmlformats.org/presentationml/2006/main">
   <p:cSld>
     <p:spTree>
@@ -11122,7 +11763,7 @@
 </p:sld>
 </file>
 
-<file path=ppt/slides/slide24.xml><?xml version="1.0" encoding="utf-8"?>
+<file path=ppt/slides/slide27.xml><?xml version="1.0" encoding="utf-8"?>
 <p:sld xmlns:a="http://schemas.openxmlformats.org/drawingml/2006/main" xmlns:r="http://schemas.openxmlformats.org/officeDocument/2006/relationships" xmlns:p="http://schemas.openxmlformats.org/presentationml/2006/main">
   <p:cSld>
     <p:spTree>
@@ -11955,7 +12596,7 @@
 </p:sld>
 </file>
 
-<file path=ppt/slides/slide25.xml><?xml version="1.0" encoding="utf-8"?>
+<file path=ppt/slides/slide28.xml><?xml version="1.0" encoding="utf-8"?>
 <p:sld xmlns:a="http://schemas.openxmlformats.org/drawingml/2006/main" xmlns:r="http://schemas.openxmlformats.org/officeDocument/2006/relationships" xmlns:p="http://schemas.openxmlformats.org/presentationml/2006/main">
   <p:cSld>
     <p:spTree>
@@ -12222,7 +12863,7 @@
 </p:sld>
 </file>
 
-<file path=ppt/slides/slide26.xml><?xml version="1.0" encoding="utf-8"?>
+<file path=ppt/slides/slide29.xml><?xml version="1.0" encoding="utf-8"?>
 <p:sld xmlns:a="http://schemas.openxmlformats.org/drawingml/2006/main" xmlns:r="http://schemas.openxmlformats.org/officeDocument/2006/relationships" xmlns:p="http://schemas.openxmlformats.org/presentationml/2006/main">
   <p:cSld>
     <p:spTree>
@@ -13799,7 +14440,462 @@
 </p:sld>
 </file>
 
-<file path=ppt/slides/slide27.xml><?xml version="1.0" encoding="utf-8"?>
+<file path=ppt/slides/slide3.xml><?xml version="1.0" encoding="utf-8"?>
+<p:sld xmlns:a="http://schemas.openxmlformats.org/drawingml/2006/main" xmlns:r="http://schemas.openxmlformats.org/officeDocument/2006/relationships" xmlns:p="http://schemas.openxmlformats.org/presentationml/2006/main">
+  <p:cSld>
+    <p:spTree>
+      <p:nvGrpSpPr>
+        <p:cNvPr id="1" name=""/>
+        <p:cNvGrpSpPr/>
+        <p:nvPr/>
+      </p:nvGrpSpPr>
+      <p:grpSpPr>
+        <a:xfrm>
+          <a:off x="0" y="0"/>
+          <a:ext cx="0" cy="0"/>
+          <a:chOff x="0" y="0"/>
+          <a:chExt cx="0" cy="0"/>
+        </a:xfrm>
+      </p:grpSpPr>
+      <p:sp>
+        <p:nvSpPr>
+          <p:cNvPr id="2" name="Title 1"/>
+          <p:cNvSpPr>
+            <a:spLocks noGrp="1"/>
+          </p:cNvSpPr>
+          <p:nvPr>
+            <p:ph type="title"/>
+          </p:nvPr>
+        </p:nvSpPr>
+        <p:spPr/>
+        <p:txBody>
+          <a:bodyPr>
+            <a:normAutofit fontScale="90000"/>
+          </a:bodyPr>
+          <a:lstStyle/>
+          <a:p>
+            <a:r>
+              <a:rPr lang="en-CA" dirty="0" smtClean="0"/>
+              <a:t>The choice we make depends on different conditions</a:t>
+            </a:r>
+            <a:endParaRPr lang="en-US" dirty="0"/>
+          </a:p>
+        </p:txBody>
+      </p:sp>
+      <p:sp>
+        <p:nvSpPr>
+          <p:cNvPr id="3" name="Content Placeholder 2"/>
+          <p:cNvSpPr>
+            <a:spLocks noGrp="1"/>
+          </p:cNvSpPr>
+          <p:nvPr>
+            <p:ph sz="quarter" idx="10"/>
+          </p:nvPr>
+        </p:nvSpPr>
+        <p:spPr/>
+        <p:txBody>
+          <a:bodyPr/>
+          <a:lstStyle/>
+          <a:p>
+            <a:r>
+              <a:rPr lang="en-CA" dirty="0"/>
+              <a:t>Should I drive or take the bus</a:t>
+            </a:r>
+            <a:r>
+              <a:rPr lang="en-CA" dirty="0" smtClean="0"/>
+              <a:t>?</a:t>
+            </a:r>
+          </a:p>
+          <a:p>
+            <a:pPr lvl="1"/>
+            <a:r>
+              <a:rPr lang="en-CA" dirty="0" smtClean="0"/>
+              <a:t>Am I late? What’s the price of gas?</a:t>
+            </a:r>
+            <a:endParaRPr lang="en-CA" dirty="0"/>
+          </a:p>
+          <a:p>
+            <a:r>
+              <a:rPr lang="en-CA" dirty="0"/>
+              <a:t>Should I cook at home or go out for dinner</a:t>
+            </a:r>
+            <a:r>
+              <a:rPr lang="en-CA" dirty="0" smtClean="0"/>
+              <a:t>?</a:t>
+            </a:r>
+          </a:p>
+          <a:p>
+            <a:pPr lvl="1"/>
+            <a:r>
+              <a:rPr lang="en-CA" dirty="0" smtClean="0"/>
+              <a:t>Do I have any food at home? Do I have enough money to go out?</a:t>
+            </a:r>
+          </a:p>
+          <a:p>
+            <a:r>
+              <a:rPr lang="en-CA" dirty="0" smtClean="0"/>
+              <a:t>Which </a:t>
+            </a:r>
+            <a:r>
+              <a:rPr lang="en-CA" dirty="0"/>
+              <a:t>laptop should I buy</a:t>
+            </a:r>
+            <a:r>
+              <a:rPr lang="en-CA" dirty="0" smtClean="0"/>
+              <a:t>?</a:t>
+            </a:r>
+          </a:p>
+          <a:p>
+            <a:pPr lvl="1"/>
+            <a:r>
+              <a:rPr lang="en-CA" dirty="0" smtClean="0"/>
+              <a:t>How much RAM do I need? How much money do I have?</a:t>
+            </a:r>
+            <a:endParaRPr lang="en-US" dirty="0"/>
+          </a:p>
+        </p:txBody>
+      </p:sp>
+    </p:spTree>
+    <p:extLst>
+      <p:ext uri="{BB962C8B-B14F-4D97-AF65-F5344CB8AC3E}">
+        <p14:creationId xmlns:p14="http://schemas.microsoft.com/office/powerpoint/2010/main" val="295028342"/>
+      </p:ext>
+    </p:extLst>
+  </p:cSld>
+  <p:clrMapOvr>
+    <a:masterClrMapping/>
+  </p:clrMapOvr>
+  <p:timing>
+    <p:tnLst>
+      <p:par>
+        <p:cTn id="1" dur="indefinite" restart="never" nodeType="tmRoot">
+          <p:childTnLst>
+            <p:seq concurrent="1" nextAc="seek">
+              <p:cTn id="2" dur="indefinite" nodeType="mainSeq">
+                <p:childTnLst>
+                  <p:par>
+                    <p:cTn id="3" fill="hold">
+                      <p:stCondLst>
+                        <p:cond delay="indefinite"/>
+                      </p:stCondLst>
+                      <p:childTnLst>
+                        <p:par>
+                          <p:cTn id="4" fill="hold">
+                            <p:stCondLst>
+                              <p:cond delay="0"/>
+                            </p:stCondLst>
+                            <p:childTnLst>
+                              <p:par>
+                                <p:cTn id="5" presetID="1" presetClass="entr" presetSubtype="0" fill="hold" grpId="0" nodeType="clickEffect">
+                                  <p:stCondLst>
+                                    <p:cond delay="0"/>
+                                  </p:stCondLst>
+                                  <p:childTnLst>
+                                    <p:set>
+                                      <p:cBhvr>
+                                        <p:cTn id="6" dur="1" fill="hold">
+                                          <p:stCondLst>
+                                            <p:cond delay="0"/>
+                                          </p:stCondLst>
+                                        </p:cTn>
+                                        <p:tgtEl>
+                                          <p:spTgt spid="3">
+                                            <p:txEl>
+                                              <p:pRg st="0" end="0"/>
+                                            </p:txEl>
+                                          </p:spTgt>
+                                        </p:tgtEl>
+                                        <p:attrNameLst>
+                                          <p:attrName>style.visibility</p:attrName>
+                                        </p:attrNameLst>
+                                      </p:cBhvr>
+                                      <p:to>
+                                        <p:strVal val="visible"/>
+                                      </p:to>
+                                    </p:set>
+                                  </p:childTnLst>
+                                </p:cTn>
+                              </p:par>
+                            </p:childTnLst>
+                          </p:cTn>
+                        </p:par>
+                      </p:childTnLst>
+                    </p:cTn>
+                  </p:par>
+                  <p:par>
+                    <p:cTn id="7" fill="hold">
+                      <p:stCondLst>
+                        <p:cond delay="indefinite"/>
+                      </p:stCondLst>
+                      <p:childTnLst>
+                        <p:par>
+                          <p:cTn id="8" fill="hold">
+                            <p:stCondLst>
+                              <p:cond delay="0"/>
+                            </p:stCondLst>
+                            <p:childTnLst>
+                              <p:par>
+                                <p:cTn id="9" presetID="1" presetClass="entr" presetSubtype="0" fill="hold" grpId="0" nodeType="clickEffect">
+                                  <p:stCondLst>
+                                    <p:cond delay="0"/>
+                                  </p:stCondLst>
+                                  <p:childTnLst>
+                                    <p:set>
+                                      <p:cBhvr>
+                                        <p:cTn id="10" dur="1" fill="hold">
+                                          <p:stCondLst>
+                                            <p:cond delay="0"/>
+                                          </p:stCondLst>
+                                        </p:cTn>
+                                        <p:tgtEl>
+                                          <p:spTgt spid="3">
+                                            <p:txEl>
+                                              <p:pRg st="1" end="1"/>
+                                            </p:txEl>
+                                          </p:spTgt>
+                                        </p:tgtEl>
+                                        <p:attrNameLst>
+                                          <p:attrName>style.visibility</p:attrName>
+                                        </p:attrNameLst>
+                                      </p:cBhvr>
+                                      <p:to>
+                                        <p:strVal val="visible"/>
+                                      </p:to>
+                                    </p:set>
+                                  </p:childTnLst>
+                                </p:cTn>
+                              </p:par>
+                            </p:childTnLst>
+                          </p:cTn>
+                        </p:par>
+                      </p:childTnLst>
+                    </p:cTn>
+                  </p:par>
+                  <p:par>
+                    <p:cTn id="11" fill="hold">
+                      <p:stCondLst>
+                        <p:cond delay="indefinite"/>
+                      </p:stCondLst>
+                      <p:childTnLst>
+                        <p:par>
+                          <p:cTn id="12" fill="hold">
+                            <p:stCondLst>
+                              <p:cond delay="0"/>
+                            </p:stCondLst>
+                            <p:childTnLst>
+                              <p:par>
+                                <p:cTn id="13" presetID="1" presetClass="entr" presetSubtype="0" fill="hold" grpId="0" nodeType="clickEffect">
+                                  <p:stCondLst>
+                                    <p:cond delay="0"/>
+                                  </p:stCondLst>
+                                  <p:childTnLst>
+                                    <p:set>
+                                      <p:cBhvr>
+                                        <p:cTn id="14" dur="1" fill="hold">
+                                          <p:stCondLst>
+                                            <p:cond delay="0"/>
+                                          </p:stCondLst>
+                                        </p:cTn>
+                                        <p:tgtEl>
+                                          <p:spTgt spid="3">
+                                            <p:txEl>
+                                              <p:pRg st="2" end="2"/>
+                                            </p:txEl>
+                                          </p:spTgt>
+                                        </p:tgtEl>
+                                        <p:attrNameLst>
+                                          <p:attrName>style.visibility</p:attrName>
+                                        </p:attrNameLst>
+                                      </p:cBhvr>
+                                      <p:to>
+                                        <p:strVal val="visible"/>
+                                      </p:to>
+                                    </p:set>
+                                  </p:childTnLst>
+                                </p:cTn>
+                              </p:par>
+                            </p:childTnLst>
+                          </p:cTn>
+                        </p:par>
+                      </p:childTnLst>
+                    </p:cTn>
+                  </p:par>
+                  <p:par>
+                    <p:cTn id="15" fill="hold">
+                      <p:stCondLst>
+                        <p:cond delay="indefinite"/>
+                      </p:stCondLst>
+                      <p:childTnLst>
+                        <p:par>
+                          <p:cTn id="16" fill="hold">
+                            <p:stCondLst>
+                              <p:cond delay="0"/>
+                            </p:stCondLst>
+                            <p:childTnLst>
+                              <p:par>
+                                <p:cTn id="17" presetID="1" presetClass="entr" presetSubtype="0" fill="hold" grpId="0" nodeType="clickEffect">
+                                  <p:stCondLst>
+                                    <p:cond delay="0"/>
+                                  </p:stCondLst>
+                                  <p:childTnLst>
+                                    <p:set>
+                                      <p:cBhvr>
+                                        <p:cTn id="18" dur="1" fill="hold">
+                                          <p:stCondLst>
+                                            <p:cond delay="0"/>
+                                          </p:stCondLst>
+                                        </p:cTn>
+                                        <p:tgtEl>
+                                          <p:spTgt spid="3">
+                                            <p:txEl>
+                                              <p:pRg st="3" end="3"/>
+                                            </p:txEl>
+                                          </p:spTgt>
+                                        </p:tgtEl>
+                                        <p:attrNameLst>
+                                          <p:attrName>style.visibility</p:attrName>
+                                        </p:attrNameLst>
+                                      </p:cBhvr>
+                                      <p:to>
+                                        <p:strVal val="visible"/>
+                                      </p:to>
+                                    </p:set>
+                                  </p:childTnLst>
+                                </p:cTn>
+                              </p:par>
+                            </p:childTnLst>
+                          </p:cTn>
+                        </p:par>
+                      </p:childTnLst>
+                    </p:cTn>
+                  </p:par>
+                  <p:par>
+                    <p:cTn id="19" fill="hold">
+                      <p:stCondLst>
+                        <p:cond delay="indefinite"/>
+                      </p:stCondLst>
+                      <p:childTnLst>
+                        <p:par>
+                          <p:cTn id="20" fill="hold">
+                            <p:stCondLst>
+                              <p:cond delay="0"/>
+                            </p:stCondLst>
+                            <p:childTnLst>
+                              <p:par>
+                                <p:cTn id="21" presetID="1" presetClass="entr" presetSubtype="0" fill="hold" grpId="0" nodeType="clickEffect">
+                                  <p:stCondLst>
+                                    <p:cond delay="0"/>
+                                  </p:stCondLst>
+                                  <p:childTnLst>
+                                    <p:set>
+                                      <p:cBhvr>
+                                        <p:cTn id="22" dur="1" fill="hold">
+                                          <p:stCondLst>
+                                            <p:cond delay="0"/>
+                                          </p:stCondLst>
+                                        </p:cTn>
+                                        <p:tgtEl>
+                                          <p:spTgt spid="3">
+                                            <p:txEl>
+                                              <p:pRg st="4" end="4"/>
+                                            </p:txEl>
+                                          </p:spTgt>
+                                        </p:tgtEl>
+                                        <p:attrNameLst>
+                                          <p:attrName>style.visibility</p:attrName>
+                                        </p:attrNameLst>
+                                      </p:cBhvr>
+                                      <p:to>
+                                        <p:strVal val="visible"/>
+                                      </p:to>
+                                    </p:set>
+                                  </p:childTnLst>
+                                </p:cTn>
+                              </p:par>
+                            </p:childTnLst>
+                          </p:cTn>
+                        </p:par>
+                      </p:childTnLst>
+                    </p:cTn>
+                  </p:par>
+                  <p:par>
+                    <p:cTn id="23" fill="hold">
+                      <p:stCondLst>
+                        <p:cond delay="indefinite"/>
+                      </p:stCondLst>
+                      <p:childTnLst>
+                        <p:par>
+                          <p:cTn id="24" fill="hold">
+                            <p:stCondLst>
+                              <p:cond delay="0"/>
+                            </p:stCondLst>
+                            <p:childTnLst>
+                              <p:par>
+                                <p:cTn id="25" presetID="1" presetClass="entr" presetSubtype="0" fill="hold" grpId="0" nodeType="clickEffect">
+                                  <p:stCondLst>
+                                    <p:cond delay="0"/>
+                                  </p:stCondLst>
+                                  <p:childTnLst>
+                                    <p:set>
+                                      <p:cBhvr>
+                                        <p:cTn id="26" dur="1" fill="hold">
+                                          <p:stCondLst>
+                                            <p:cond delay="0"/>
+                                          </p:stCondLst>
+                                        </p:cTn>
+                                        <p:tgtEl>
+                                          <p:spTgt spid="3">
+                                            <p:txEl>
+                                              <p:pRg st="5" end="5"/>
+                                            </p:txEl>
+                                          </p:spTgt>
+                                        </p:tgtEl>
+                                        <p:attrNameLst>
+                                          <p:attrName>style.visibility</p:attrName>
+                                        </p:attrNameLst>
+                                      </p:cBhvr>
+                                      <p:to>
+                                        <p:strVal val="visible"/>
+                                      </p:to>
+                                    </p:set>
+                                  </p:childTnLst>
+                                </p:cTn>
+                              </p:par>
+                            </p:childTnLst>
+                          </p:cTn>
+                        </p:par>
+                      </p:childTnLst>
+                    </p:cTn>
+                  </p:par>
+                </p:childTnLst>
+              </p:cTn>
+              <p:prevCondLst>
+                <p:cond evt="onPrev" delay="0">
+                  <p:tgtEl>
+                    <p:sldTgt/>
+                  </p:tgtEl>
+                </p:cond>
+              </p:prevCondLst>
+              <p:nextCondLst>
+                <p:cond evt="onNext" delay="0">
+                  <p:tgtEl>
+                    <p:sldTgt/>
+                  </p:tgtEl>
+                </p:cond>
+              </p:nextCondLst>
+            </p:seq>
+          </p:childTnLst>
+        </p:cTn>
+      </p:par>
+    </p:tnLst>
+    <p:bldLst>
+      <p:bldP spid="3" grpId="0" uiExpand="1" build="p"/>
+    </p:bldLst>
+  </p:timing>
+</p:sld>
+</file>
+
+<file path=ppt/slides/slide30.xml><?xml version="1.0" encoding="utf-8"?>
 <p:sld xmlns:a="http://schemas.openxmlformats.org/drawingml/2006/main" xmlns:r="http://schemas.openxmlformats.org/officeDocument/2006/relationships" xmlns:p="http://schemas.openxmlformats.org/presentationml/2006/main">
   <p:cSld>
     <p:spTree>
@@ -14291,7 +15387,7 @@
 </p:sld>
 </file>
 
-<file path=ppt/slides/slide28.xml><?xml version="1.0" encoding="utf-8"?>
+<file path=ppt/slides/slide31.xml><?xml version="1.0" encoding="utf-8"?>
 <p:sld xmlns:a="http://schemas.openxmlformats.org/drawingml/2006/main" xmlns:r="http://schemas.openxmlformats.org/officeDocument/2006/relationships" xmlns:p="http://schemas.openxmlformats.org/presentationml/2006/main">
   <p:cSld>
     <p:spTree>
@@ -14409,7 +15505,7 @@
 </p:sld>
 </file>
 
-<file path=ppt/slides/slide29.xml><?xml version="1.0" encoding="utf-8"?>
+<file path=ppt/slides/slide32.xml><?xml version="1.0" encoding="utf-8"?>
 <p:sld xmlns:a="http://schemas.openxmlformats.org/drawingml/2006/main" xmlns:r="http://schemas.openxmlformats.org/officeDocument/2006/relationships" xmlns:p="http://schemas.openxmlformats.org/presentationml/2006/main">
   <p:cSld>
     <p:spTree>
@@ -14454,461 +15550,6 @@
 </p:sld>
 </file>
 
-<file path=ppt/slides/slide3.xml><?xml version="1.0" encoding="utf-8"?>
-<p:sld xmlns:a="http://schemas.openxmlformats.org/drawingml/2006/main" xmlns:r="http://schemas.openxmlformats.org/officeDocument/2006/relationships" xmlns:p="http://schemas.openxmlformats.org/presentationml/2006/main">
-  <p:cSld>
-    <p:spTree>
-      <p:nvGrpSpPr>
-        <p:cNvPr id="1" name=""/>
-        <p:cNvGrpSpPr/>
-        <p:nvPr/>
-      </p:nvGrpSpPr>
-      <p:grpSpPr>
-        <a:xfrm>
-          <a:off x="0" y="0"/>
-          <a:ext cx="0" cy="0"/>
-          <a:chOff x="0" y="0"/>
-          <a:chExt cx="0" cy="0"/>
-        </a:xfrm>
-      </p:grpSpPr>
-      <p:sp>
-        <p:nvSpPr>
-          <p:cNvPr id="2" name="Title 1"/>
-          <p:cNvSpPr>
-            <a:spLocks noGrp="1"/>
-          </p:cNvSpPr>
-          <p:nvPr>
-            <p:ph type="title"/>
-          </p:nvPr>
-        </p:nvSpPr>
-        <p:spPr/>
-        <p:txBody>
-          <a:bodyPr>
-            <a:normAutofit fontScale="90000"/>
-          </a:bodyPr>
-          <a:lstStyle/>
-          <a:p>
-            <a:r>
-              <a:rPr lang="en-CA" dirty="0" smtClean="0"/>
-              <a:t>The choice we make depends on different conditions</a:t>
-            </a:r>
-            <a:endParaRPr lang="en-US" dirty="0"/>
-          </a:p>
-        </p:txBody>
-      </p:sp>
-      <p:sp>
-        <p:nvSpPr>
-          <p:cNvPr id="3" name="Content Placeholder 2"/>
-          <p:cNvSpPr>
-            <a:spLocks noGrp="1"/>
-          </p:cNvSpPr>
-          <p:nvPr>
-            <p:ph sz="quarter" idx="10"/>
-          </p:nvPr>
-        </p:nvSpPr>
-        <p:spPr/>
-        <p:txBody>
-          <a:bodyPr/>
-          <a:lstStyle/>
-          <a:p>
-            <a:r>
-              <a:rPr lang="en-CA" dirty="0"/>
-              <a:t>Should I drive or take the bus</a:t>
-            </a:r>
-            <a:r>
-              <a:rPr lang="en-CA" dirty="0" smtClean="0"/>
-              <a:t>?</a:t>
-            </a:r>
-          </a:p>
-          <a:p>
-            <a:pPr lvl="1"/>
-            <a:r>
-              <a:rPr lang="en-CA" dirty="0" smtClean="0"/>
-              <a:t>Am I late? What’s the price of gas?</a:t>
-            </a:r>
-            <a:endParaRPr lang="en-CA" dirty="0"/>
-          </a:p>
-          <a:p>
-            <a:r>
-              <a:rPr lang="en-CA" dirty="0"/>
-              <a:t>Should I cook at home or go out for dinner</a:t>
-            </a:r>
-            <a:r>
-              <a:rPr lang="en-CA" dirty="0" smtClean="0"/>
-              <a:t>?</a:t>
-            </a:r>
-          </a:p>
-          <a:p>
-            <a:pPr lvl="1"/>
-            <a:r>
-              <a:rPr lang="en-CA" dirty="0" smtClean="0"/>
-              <a:t>Do I have any food at home? Do I have enough money to go out?</a:t>
-            </a:r>
-          </a:p>
-          <a:p>
-            <a:r>
-              <a:rPr lang="en-CA" dirty="0" smtClean="0"/>
-              <a:t>Which </a:t>
-            </a:r>
-            <a:r>
-              <a:rPr lang="en-CA" dirty="0"/>
-              <a:t>laptop should I buy</a:t>
-            </a:r>
-            <a:r>
-              <a:rPr lang="en-CA" dirty="0" smtClean="0"/>
-              <a:t>?</a:t>
-            </a:r>
-          </a:p>
-          <a:p>
-            <a:pPr lvl="1"/>
-            <a:r>
-              <a:rPr lang="en-CA" dirty="0" smtClean="0"/>
-              <a:t>How much RAM do I need? How much money do I have?</a:t>
-            </a:r>
-            <a:endParaRPr lang="en-US" dirty="0"/>
-          </a:p>
-        </p:txBody>
-      </p:sp>
-    </p:spTree>
-    <p:extLst>
-      <p:ext uri="{BB962C8B-B14F-4D97-AF65-F5344CB8AC3E}">
-        <p14:creationId xmlns:p14="http://schemas.microsoft.com/office/powerpoint/2010/main" val="295028342"/>
-      </p:ext>
-    </p:extLst>
-  </p:cSld>
-  <p:clrMapOvr>
-    <a:masterClrMapping/>
-  </p:clrMapOvr>
-  <p:timing>
-    <p:tnLst>
-      <p:par>
-        <p:cTn id="1" dur="indefinite" restart="never" nodeType="tmRoot">
-          <p:childTnLst>
-            <p:seq concurrent="1" nextAc="seek">
-              <p:cTn id="2" dur="indefinite" nodeType="mainSeq">
-                <p:childTnLst>
-                  <p:par>
-                    <p:cTn id="3" fill="hold">
-                      <p:stCondLst>
-                        <p:cond delay="indefinite"/>
-                      </p:stCondLst>
-                      <p:childTnLst>
-                        <p:par>
-                          <p:cTn id="4" fill="hold">
-                            <p:stCondLst>
-                              <p:cond delay="0"/>
-                            </p:stCondLst>
-                            <p:childTnLst>
-                              <p:par>
-                                <p:cTn id="5" presetID="1" presetClass="entr" presetSubtype="0" fill="hold" grpId="0" nodeType="clickEffect">
-                                  <p:stCondLst>
-                                    <p:cond delay="0"/>
-                                  </p:stCondLst>
-                                  <p:childTnLst>
-                                    <p:set>
-                                      <p:cBhvr>
-                                        <p:cTn id="6" dur="1" fill="hold">
-                                          <p:stCondLst>
-                                            <p:cond delay="0"/>
-                                          </p:stCondLst>
-                                        </p:cTn>
-                                        <p:tgtEl>
-                                          <p:spTgt spid="3">
-                                            <p:txEl>
-                                              <p:pRg st="0" end="0"/>
-                                            </p:txEl>
-                                          </p:spTgt>
-                                        </p:tgtEl>
-                                        <p:attrNameLst>
-                                          <p:attrName>style.visibility</p:attrName>
-                                        </p:attrNameLst>
-                                      </p:cBhvr>
-                                      <p:to>
-                                        <p:strVal val="visible"/>
-                                      </p:to>
-                                    </p:set>
-                                  </p:childTnLst>
-                                </p:cTn>
-                              </p:par>
-                            </p:childTnLst>
-                          </p:cTn>
-                        </p:par>
-                      </p:childTnLst>
-                    </p:cTn>
-                  </p:par>
-                  <p:par>
-                    <p:cTn id="7" fill="hold">
-                      <p:stCondLst>
-                        <p:cond delay="indefinite"/>
-                      </p:stCondLst>
-                      <p:childTnLst>
-                        <p:par>
-                          <p:cTn id="8" fill="hold">
-                            <p:stCondLst>
-                              <p:cond delay="0"/>
-                            </p:stCondLst>
-                            <p:childTnLst>
-                              <p:par>
-                                <p:cTn id="9" presetID="1" presetClass="entr" presetSubtype="0" fill="hold" grpId="0" nodeType="clickEffect">
-                                  <p:stCondLst>
-                                    <p:cond delay="0"/>
-                                  </p:stCondLst>
-                                  <p:childTnLst>
-                                    <p:set>
-                                      <p:cBhvr>
-                                        <p:cTn id="10" dur="1" fill="hold">
-                                          <p:stCondLst>
-                                            <p:cond delay="0"/>
-                                          </p:stCondLst>
-                                        </p:cTn>
-                                        <p:tgtEl>
-                                          <p:spTgt spid="3">
-                                            <p:txEl>
-                                              <p:pRg st="1" end="1"/>
-                                            </p:txEl>
-                                          </p:spTgt>
-                                        </p:tgtEl>
-                                        <p:attrNameLst>
-                                          <p:attrName>style.visibility</p:attrName>
-                                        </p:attrNameLst>
-                                      </p:cBhvr>
-                                      <p:to>
-                                        <p:strVal val="visible"/>
-                                      </p:to>
-                                    </p:set>
-                                  </p:childTnLst>
-                                </p:cTn>
-                              </p:par>
-                            </p:childTnLst>
-                          </p:cTn>
-                        </p:par>
-                      </p:childTnLst>
-                    </p:cTn>
-                  </p:par>
-                  <p:par>
-                    <p:cTn id="11" fill="hold">
-                      <p:stCondLst>
-                        <p:cond delay="indefinite"/>
-                      </p:stCondLst>
-                      <p:childTnLst>
-                        <p:par>
-                          <p:cTn id="12" fill="hold">
-                            <p:stCondLst>
-                              <p:cond delay="0"/>
-                            </p:stCondLst>
-                            <p:childTnLst>
-                              <p:par>
-                                <p:cTn id="13" presetID="1" presetClass="entr" presetSubtype="0" fill="hold" grpId="0" nodeType="clickEffect">
-                                  <p:stCondLst>
-                                    <p:cond delay="0"/>
-                                  </p:stCondLst>
-                                  <p:childTnLst>
-                                    <p:set>
-                                      <p:cBhvr>
-                                        <p:cTn id="14" dur="1" fill="hold">
-                                          <p:stCondLst>
-                                            <p:cond delay="0"/>
-                                          </p:stCondLst>
-                                        </p:cTn>
-                                        <p:tgtEl>
-                                          <p:spTgt spid="3">
-                                            <p:txEl>
-                                              <p:pRg st="2" end="2"/>
-                                            </p:txEl>
-                                          </p:spTgt>
-                                        </p:tgtEl>
-                                        <p:attrNameLst>
-                                          <p:attrName>style.visibility</p:attrName>
-                                        </p:attrNameLst>
-                                      </p:cBhvr>
-                                      <p:to>
-                                        <p:strVal val="visible"/>
-                                      </p:to>
-                                    </p:set>
-                                  </p:childTnLst>
-                                </p:cTn>
-                              </p:par>
-                            </p:childTnLst>
-                          </p:cTn>
-                        </p:par>
-                      </p:childTnLst>
-                    </p:cTn>
-                  </p:par>
-                  <p:par>
-                    <p:cTn id="15" fill="hold">
-                      <p:stCondLst>
-                        <p:cond delay="indefinite"/>
-                      </p:stCondLst>
-                      <p:childTnLst>
-                        <p:par>
-                          <p:cTn id="16" fill="hold">
-                            <p:stCondLst>
-                              <p:cond delay="0"/>
-                            </p:stCondLst>
-                            <p:childTnLst>
-                              <p:par>
-                                <p:cTn id="17" presetID="1" presetClass="entr" presetSubtype="0" fill="hold" grpId="0" nodeType="clickEffect">
-                                  <p:stCondLst>
-                                    <p:cond delay="0"/>
-                                  </p:stCondLst>
-                                  <p:childTnLst>
-                                    <p:set>
-                                      <p:cBhvr>
-                                        <p:cTn id="18" dur="1" fill="hold">
-                                          <p:stCondLst>
-                                            <p:cond delay="0"/>
-                                          </p:stCondLst>
-                                        </p:cTn>
-                                        <p:tgtEl>
-                                          <p:spTgt spid="3">
-                                            <p:txEl>
-                                              <p:pRg st="3" end="3"/>
-                                            </p:txEl>
-                                          </p:spTgt>
-                                        </p:tgtEl>
-                                        <p:attrNameLst>
-                                          <p:attrName>style.visibility</p:attrName>
-                                        </p:attrNameLst>
-                                      </p:cBhvr>
-                                      <p:to>
-                                        <p:strVal val="visible"/>
-                                      </p:to>
-                                    </p:set>
-                                  </p:childTnLst>
-                                </p:cTn>
-                              </p:par>
-                            </p:childTnLst>
-                          </p:cTn>
-                        </p:par>
-                      </p:childTnLst>
-                    </p:cTn>
-                  </p:par>
-                  <p:par>
-                    <p:cTn id="19" fill="hold">
-                      <p:stCondLst>
-                        <p:cond delay="indefinite"/>
-                      </p:stCondLst>
-                      <p:childTnLst>
-                        <p:par>
-                          <p:cTn id="20" fill="hold">
-                            <p:stCondLst>
-                              <p:cond delay="0"/>
-                            </p:stCondLst>
-                            <p:childTnLst>
-                              <p:par>
-                                <p:cTn id="21" presetID="1" presetClass="entr" presetSubtype="0" fill="hold" grpId="0" nodeType="clickEffect">
-                                  <p:stCondLst>
-                                    <p:cond delay="0"/>
-                                  </p:stCondLst>
-                                  <p:childTnLst>
-                                    <p:set>
-                                      <p:cBhvr>
-                                        <p:cTn id="22" dur="1" fill="hold">
-                                          <p:stCondLst>
-                                            <p:cond delay="0"/>
-                                          </p:stCondLst>
-                                        </p:cTn>
-                                        <p:tgtEl>
-                                          <p:spTgt spid="3">
-                                            <p:txEl>
-                                              <p:pRg st="4" end="4"/>
-                                            </p:txEl>
-                                          </p:spTgt>
-                                        </p:tgtEl>
-                                        <p:attrNameLst>
-                                          <p:attrName>style.visibility</p:attrName>
-                                        </p:attrNameLst>
-                                      </p:cBhvr>
-                                      <p:to>
-                                        <p:strVal val="visible"/>
-                                      </p:to>
-                                    </p:set>
-                                  </p:childTnLst>
-                                </p:cTn>
-                              </p:par>
-                            </p:childTnLst>
-                          </p:cTn>
-                        </p:par>
-                      </p:childTnLst>
-                    </p:cTn>
-                  </p:par>
-                  <p:par>
-                    <p:cTn id="23" fill="hold">
-                      <p:stCondLst>
-                        <p:cond delay="indefinite"/>
-                      </p:stCondLst>
-                      <p:childTnLst>
-                        <p:par>
-                          <p:cTn id="24" fill="hold">
-                            <p:stCondLst>
-                              <p:cond delay="0"/>
-                            </p:stCondLst>
-                            <p:childTnLst>
-                              <p:par>
-                                <p:cTn id="25" presetID="1" presetClass="entr" presetSubtype="0" fill="hold" grpId="0" nodeType="clickEffect">
-                                  <p:stCondLst>
-                                    <p:cond delay="0"/>
-                                  </p:stCondLst>
-                                  <p:childTnLst>
-                                    <p:set>
-                                      <p:cBhvr>
-                                        <p:cTn id="26" dur="1" fill="hold">
-                                          <p:stCondLst>
-                                            <p:cond delay="0"/>
-                                          </p:stCondLst>
-                                        </p:cTn>
-                                        <p:tgtEl>
-                                          <p:spTgt spid="3">
-                                            <p:txEl>
-                                              <p:pRg st="5" end="5"/>
-                                            </p:txEl>
-                                          </p:spTgt>
-                                        </p:tgtEl>
-                                        <p:attrNameLst>
-                                          <p:attrName>style.visibility</p:attrName>
-                                        </p:attrNameLst>
-                                      </p:cBhvr>
-                                      <p:to>
-                                        <p:strVal val="visible"/>
-                                      </p:to>
-                                    </p:set>
-                                  </p:childTnLst>
-                                </p:cTn>
-                              </p:par>
-                            </p:childTnLst>
-                          </p:cTn>
-                        </p:par>
-                      </p:childTnLst>
-                    </p:cTn>
-                  </p:par>
-                </p:childTnLst>
-              </p:cTn>
-              <p:prevCondLst>
-                <p:cond evt="onPrev" delay="0">
-                  <p:tgtEl>
-                    <p:sldTgt/>
-                  </p:tgtEl>
-                </p:cond>
-              </p:prevCondLst>
-              <p:nextCondLst>
-                <p:cond evt="onNext" delay="0">
-                  <p:tgtEl>
-                    <p:sldTgt/>
-                  </p:tgtEl>
-                </p:cond>
-              </p:nextCondLst>
-            </p:seq>
-          </p:childTnLst>
-        </p:cTn>
-      </p:par>
-    </p:tnLst>
-    <p:bldLst>
-      <p:bldP spid="3" grpId="0" uiExpand="1" build="p"/>
-    </p:bldLst>
-  </p:timing>
-</p:sld>
-</file>
-
 <file path=ppt/slides/slide4.xml><?xml version="1.0" encoding="utf-8"?>
 <p:sld xmlns:a="http://schemas.openxmlformats.org/drawingml/2006/main" xmlns:r="http://schemas.openxmlformats.org/officeDocument/2006/relationships" xmlns:p="http://schemas.openxmlformats.org/presentationml/2006/main">
   <p:cSld>
@@ -14968,15 +15609,7 @@
           <a:p>
             <a:r>
               <a:rPr lang="en-CA" dirty="0" smtClean="0"/>
-              <a:t>If the user </a:t>
-            </a:r>
-            <a:r>
-              <a:rPr lang="en-CA" dirty="0" smtClean="0"/>
-              <a:t>maintained </a:t>
-            </a:r>
-            <a:r>
-              <a:rPr lang="en-CA" dirty="0" smtClean="0"/>
-              <a:t>a bank account balance over $1000 waive the transaction fees</a:t>
+              <a:t>If the user maintained a bank account balance over $1000 waive the transaction fees</a:t>
             </a:r>
           </a:p>
           <a:p>
@@ -17202,475 +17835,56 @@
       </p:grpSpPr>
       <p:sp>
         <p:nvSpPr>
-          <p:cNvPr id="10" name="Rectangle 2"/>
+          <p:cNvPr id="4" name="Text Placeholder 3"/>
           <p:cNvSpPr>
-            <a:spLocks noChangeArrowheads="1"/>
+            <a:spLocks noGrp="1"/>
           </p:cNvSpPr>
-          <p:nvPr/>
+          <p:nvPr>
+            <p:ph type="body" sz="quarter" idx="10"/>
+          </p:nvPr>
         </p:nvSpPr>
-        <p:spPr bwMode="auto">
-          <a:xfrm>
-            <a:off x="838200" y="1464558"/>
-            <a:ext cx="9767455" cy="2677656"/>
-          </a:xfrm>
-          <a:prstGeom prst="rect">
-            <a:avLst/>
-          </a:prstGeom>
-          <a:solidFill>
-            <a:srgbClr val="FFFFFF"/>
-          </a:solidFill>
-          <a:ln>
-            <a:noFill/>
-          </a:ln>
-          <a:effectLst/>
-          <a:extLst>
-            <a:ext uri="{91240B29-F687-4F45-9708-019B960494DF}">
-              <a14:hiddenLine xmlns:a14="http://schemas.microsoft.com/office/drawing/2010/main" w="9525">
-                <a:solidFill>
-                  <a:schemeClr val="tx1"/>
-                </a:solidFill>
-                <a:miter lim="800000"/>
-                <a:headEnd/>
-                <a:tailEnd/>
-              </a14:hiddenLine>
-            </a:ext>
-            <a:ext uri="{AF507438-7753-43E0-B8FC-AC1667EBCBE1}">
-              <a14:hiddenEffects xmlns:a14="http://schemas.microsoft.com/office/drawing/2010/main">
-                <a:effectLst>
-                  <a:outerShdw dist="35921" dir="2700000" algn="ctr" rotWithShape="0">
-                    <a:schemeClr val="bg2"/>
-                  </a:outerShdw>
-                </a:effectLst>
-              </a14:hiddenEffects>
-            </a:ext>
-          </a:extLst>
-        </p:spPr>
+        <p:spPr/>
         <p:txBody>
-          <a:bodyPr vert="horz" wrap="square" lIns="91440" tIns="45720" rIns="91440" bIns="45720" numCol="1" anchor="ctr" anchorCtr="0" compatLnSpc="1">
-            <a:prstTxWarp prst="textNoShape">
-              <a:avLst/>
-            </a:prstTxWarp>
-            <a:spAutoFit/>
-          </a:bodyPr>
+          <a:bodyPr/>
           <a:lstStyle/>
           <a:p>
-            <a:pPr lvl="0" eaLnBrk="0" fontAlgn="base" hangingPunct="0">
-              <a:spcBef>
-                <a:spcPct val="0"/>
-              </a:spcBef>
-              <a:spcAft>
-                <a:spcPct val="0"/>
-              </a:spcAft>
-            </a:pPr>
-            <a:r>
-              <a:rPr lang="en-US" altLang="en-US" sz="2800" dirty="0">
-                <a:solidFill>
-                  <a:srgbClr val="0000FF"/>
-                </a:solidFill>
-                <a:latin typeface="Consolas" panose="020B0609020204030204" pitchFamily="49" charset="0"/>
-                <a:cs typeface="Consolas" panose="020B0609020204030204" pitchFamily="49" charset="0"/>
-              </a:rPr>
-              <a:t>if</a:t>
-            </a:r>
-            <a:r>
-              <a:rPr lang="en-US" altLang="en-US" sz="2800" dirty="0">
-                <a:solidFill>
-                  <a:srgbClr val="000000"/>
-                </a:solidFill>
-                <a:latin typeface="Consolas" panose="020B0609020204030204" pitchFamily="49" charset="0"/>
-                <a:cs typeface="Consolas" panose="020B0609020204030204" pitchFamily="49" charset="0"/>
-              </a:rPr>
-              <a:t> answer == </a:t>
-            </a:r>
-            <a:r>
-              <a:rPr lang="en-US" altLang="en-US" sz="2800" dirty="0">
-                <a:solidFill>
-                  <a:srgbClr val="A31515"/>
-                </a:solidFill>
-                <a:latin typeface="Consolas" panose="020B0609020204030204" pitchFamily="49" charset="0"/>
-                <a:cs typeface="Consolas" panose="020B0609020204030204" pitchFamily="49" charset="0"/>
-              </a:rPr>
-              <a:t>"yes"</a:t>
-            </a:r>
-            <a:r>
-              <a:rPr lang="en-US" altLang="en-US" sz="2800" dirty="0">
-                <a:solidFill>
-                  <a:srgbClr val="000000"/>
-                </a:solidFill>
-                <a:latin typeface="Consolas" panose="020B0609020204030204" pitchFamily="49" charset="0"/>
-                <a:cs typeface="Consolas" panose="020B0609020204030204" pitchFamily="49" charset="0"/>
-              </a:rPr>
-              <a:t> :</a:t>
-            </a:r>
-          </a:p>
-          <a:p>
-            <a:pPr marL="0" marR="0" lvl="0" indent="0" algn="l" defTabSz="914400" rtl="0" eaLnBrk="0" fontAlgn="base" latinLnBrk="0" hangingPunct="0">
-              <a:lnSpc>
-                <a:spcPct val="100000"/>
-              </a:lnSpc>
-              <a:spcBef>
-                <a:spcPct val="0"/>
-              </a:spcBef>
-              <a:spcAft>
-                <a:spcPct val="0"/>
-              </a:spcAft>
-              <a:buClrTx/>
-              <a:buSzTx/>
-              <a:buFontTx/>
-              <a:buNone/>
-              <a:tabLst/>
-            </a:pPr>
-            <a:r>
-              <a:rPr kumimoji="0" lang="en-US" altLang="en-US" sz="2800" i="0" u="none" strike="noStrike" cap="none" normalizeH="0" baseline="0" dirty="0" smtClean="0">
-                <a:ln>
-                  <a:noFill/>
-                </a:ln>
-                <a:solidFill>
-                  <a:srgbClr val="0000FF"/>
-                </a:solidFill>
-                <a:effectLst/>
-                <a:latin typeface="Consolas" panose="020B0609020204030204" pitchFamily="49" charset="0"/>
-                <a:cs typeface="Consolas" panose="020B0609020204030204" pitchFamily="49" charset="0"/>
-              </a:rPr>
-              <a:t>if</a:t>
-            </a:r>
-            <a:r>
-              <a:rPr kumimoji="0" lang="en-US" altLang="en-US" sz="2800" i="0" u="none" strike="noStrike" cap="none" normalizeH="0" baseline="0" dirty="0" smtClean="0">
-                <a:ln>
-                  <a:noFill/>
-                </a:ln>
-                <a:solidFill>
-                  <a:srgbClr val="000000"/>
-                </a:solidFill>
-                <a:effectLst/>
-                <a:latin typeface="Consolas" panose="020B0609020204030204" pitchFamily="49" charset="0"/>
-                <a:cs typeface="Consolas" panose="020B0609020204030204" pitchFamily="49" charset="0"/>
-              </a:rPr>
-              <a:t> not answer == </a:t>
-            </a:r>
-            <a:r>
-              <a:rPr kumimoji="0" lang="en-US" altLang="en-US" sz="2800" i="0" u="none" strike="noStrike" cap="none" normalizeH="0" baseline="0" dirty="0" smtClean="0">
-                <a:ln>
-                  <a:noFill/>
-                </a:ln>
-                <a:solidFill>
-                  <a:srgbClr val="A31515"/>
-                </a:solidFill>
-                <a:effectLst/>
-                <a:latin typeface="Consolas" panose="020B0609020204030204" pitchFamily="49" charset="0"/>
-                <a:cs typeface="Consolas" panose="020B0609020204030204" pitchFamily="49" charset="0"/>
-              </a:rPr>
-              <a:t>"no"</a:t>
-            </a:r>
-            <a:r>
-              <a:rPr kumimoji="0" lang="en-US" altLang="en-US" sz="2800" i="0" u="none" strike="noStrike" cap="none" normalizeH="0" baseline="0" dirty="0" smtClean="0">
-                <a:ln>
-                  <a:noFill/>
-                </a:ln>
-                <a:solidFill>
-                  <a:srgbClr val="000000"/>
-                </a:solidFill>
-                <a:effectLst/>
-                <a:latin typeface="Consolas" panose="020B0609020204030204" pitchFamily="49" charset="0"/>
-                <a:cs typeface="Consolas" panose="020B0609020204030204" pitchFamily="49" charset="0"/>
-              </a:rPr>
-              <a:t> :</a:t>
-            </a:r>
-          </a:p>
-          <a:p>
-            <a:pPr marL="0" marR="0" lvl="0" indent="0" algn="l" defTabSz="914400" rtl="0" eaLnBrk="0" fontAlgn="base" latinLnBrk="0" hangingPunct="0">
-              <a:lnSpc>
-                <a:spcPct val="100000"/>
-              </a:lnSpc>
-              <a:spcBef>
-                <a:spcPct val="0"/>
-              </a:spcBef>
-              <a:spcAft>
-                <a:spcPct val="0"/>
-              </a:spcAft>
-              <a:buClrTx/>
-              <a:buSzTx/>
-              <a:buFontTx/>
-              <a:buNone/>
-              <a:tabLst/>
-            </a:pPr>
-            <a:endParaRPr kumimoji="0" lang="en-US" altLang="en-US" sz="2800" i="0" u="none" strike="noStrike" cap="none" normalizeH="0" baseline="0" dirty="0" smtClean="0">
-              <a:ln>
-                <a:noFill/>
-              </a:ln>
-              <a:solidFill>
-                <a:srgbClr val="000000"/>
-              </a:solidFill>
-              <a:effectLst/>
-              <a:latin typeface="Consolas" panose="020B0609020204030204" pitchFamily="49" charset="0"/>
-              <a:cs typeface="Consolas" panose="020B0609020204030204" pitchFamily="49" charset="0"/>
-            </a:endParaRPr>
-          </a:p>
-          <a:p>
-            <a:pPr lvl="0" eaLnBrk="0" fontAlgn="base" hangingPunct="0">
-              <a:spcBef>
-                <a:spcPct val="0"/>
-              </a:spcBef>
-              <a:spcAft>
-                <a:spcPct val="0"/>
-              </a:spcAft>
-            </a:pPr>
-            <a:r>
-              <a:rPr lang="en-US" altLang="en-US" sz="2800" dirty="0">
-                <a:solidFill>
-                  <a:srgbClr val="0000FF"/>
-                </a:solidFill>
-                <a:latin typeface="Consolas" panose="020B0609020204030204" pitchFamily="49" charset="0"/>
-                <a:cs typeface="Consolas" panose="020B0609020204030204" pitchFamily="49" charset="0"/>
-              </a:rPr>
-              <a:t>if</a:t>
-            </a:r>
-            <a:r>
-              <a:rPr lang="en-US" altLang="en-US" sz="2800" dirty="0">
-                <a:solidFill>
-                  <a:srgbClr val="000000"/>
-                </a:solidFill>
-                <a:latin typeface="Consolas" panose="020B0609020204030204" pitchFamily="49" charset="0"/>
-                <a:cs typeface="Consolas" panose="020B0609020204030204" pitchFamily="49" charset="0"/>
-              </a:rPr>
-              <a:t> total &lt; 100 </a:t>
-            </a:r>
-            <a:r>
-              <a:rPr lang="en-US" altLang="en-US" sz="2800" dirty="0" smtClean="0">
-                <a:solidFill>
-                  <a:srgbClr val="000000"/>
-                </a:solidFill>
-                <a:latin typeface="Consolas" panose="020B0609020204030204" pitchFamily="49" charset="0"/>
-                <a:cs typeface="Consolas" panose="020B0609020204030204" pitchFamily="49" charset="0"/>
-              </a:rPr>
-              <a:t>:</a:t>
-            </a:r>
-          </a:p>
-          <a:p>
-            <a:pPr eaLnBrk="0" fontAlgn="base" hangingPunct="0">
-              <a:spcBef>
-                <a:spcPct val="0"/>
-              </a:spcBef>
-              <a:spcAft>
-                <a:spcPct val="0"/>
-              </a:spcAft>
-            </a:pPr>
-            <a:r>
-              <a:rPr lang="en-US" altLang="en-US" sz="2800" dirty="0">
-                <a:solidFill>
-                  <a:srgbClr val="0000FF"/>
-                </a:solidFill>
-                <a:latin typeface="Consolas" panose="020B0609020204030204" pitchFamily="49" charset="0"/>
-                <a:cs typeface="Consolas" panose="020B0609020204030204" pitchFamily="49" charset="0"/>
-              </a:rPr>
-              <a:t>if</a:t>
-            </a:r>
-            <a:r>
-              <a:rPr lang="en-US" altLang="en-US" sz="2800" dirty="0">
-                <a:solidFill>
-                  <a:srgbClr val="000000"/>
-                </a:solidFill>
-                <a:latin typeface="Consolas" panose="020B0609020204030204" pitchFamily="49" charset="0"/>
-                <a:cs typeface="Consolas" panose="020B0609020204030204" pitchFamily="49" charset="0"/>
-              </a:rPr>
-              <a:t> </a:t>
-            </a:r>
-            <a:r>
-              <a:rPr lang="en-US" altLang="en-US" sz="2800" dirty="0" smtClean="0">
-                <a:solidFill>
-                  <a:srgbClr val="000000"/>
-                </a:solidFill>
-                <a:latin typeface="Consolas" panose="020B0609020204030204" pitchFamily="49" charset="0"/>
-                <a:cs typeface="Consolas" panose="020B0609020204030204" pitchFamily="49" charset="0"/>
-              </a:rPr>
-              <a:t>not total &gt;= </a:t>
-            </a:r>
-            <a:r>
-              <a:rPr lang="en-US" altLang="en-US" sz="2800" dirty="0">
-                <a:solidFill>
-                  <a:srgbClr val="000000"/>
-                </a:solidFill>
-                <a:latin typeface="Consolas" panose="020B0609020204030204" pitchFamily="49" charset="0"/>
-                <a:cs typeface="Consolas" panose="020B0609020204030204" pitchFamily="49" charset="0"/>
-              </a:rPr>
-              <a:t>100 :</a:t>
-            </a:r>
-          </a:p>
-          <a:p>
-            <a:pPr lvl="0" eaLnBrk="0" fontAlgn="base" hangingPunct="0">
-              <a:spcBef>
-                <a:spcPct val="0"/>
-              </a:spcBef>
-              <a:spcAft>
-                <a:spcPct val="0"/>
-              </a:spcAft>
-            </a:pPr>
-            <a:endParaRPr kumimoji="0" lang="en-US" altLang="en-US" sz="2800" b="1" i="0" u="none" strike="noStrike" cap="none" normalizeH="0" baseline="0" dirty="0" smtClean="0">
-              <a:ln>
-                <a:noFill/>
-              </a:ln>
-              <a:solidFill>
-                <a:srgbClr val="000000"/>
-              </a:solidFill>
-              <a:effectLst/>
-              <a:latin typeface="Consolas" panose="020B0609020204030204" pitchFamily="49" charset="0"/>
-              <a:cs typeface="Consolas" panose="020B0609020204030204" pitchFamily="49" charset="0"/>
-            </a:endParaRPr>
+            <a:r>
+              <a:rPr lang="en-US" dirty="0" smtClean="0"/>
+              <a:t>Real world if statements</a:t>
+            </a:r>
+            <a:endParaRPr lang="en-US" dirty="0"/>
           </a:p>
         </p:txBody>
       </p:sp>
       <p:sp>
         <p:nvSpPr>
-          <p:cNvPr id="4" name="Title 3"/>
+          <p:cNvPr id="3" name="Subtitle 2"/>
           <p:cNvSpPr>
             <a:spLocks noGrp="1"/>
           </p:cNvSpPr>
           <p:nvPr>
-            <p:ph type="title"/>
+            <p:ph type="subTitle" idx="1"/>
           </p:nvPr>
         </p:nvSpPr>
         <p:spPr/>
         <p:txBody>
-          <a:bodyPr>
-            <a:normAutofit fontScale="90000"/>
-          </a:bodyPr>
+          <a:bodyPr/>
           <a:lstStyle/>
           <a:p>
-            <a:r>
-              <a:rPr lang="en-CA" dirty="0" smtClean="0"/>
-              <a:t>Almost every if statement can be written two ways</a:t>
-            </a:r>
-            <a:endParaRPr lang="en-US" dirty="0"/>
-          </a:p>
-        </p:txBody>
-      </p:sp>
-      <p:sp>
-        <p:nvSpPr>
-          <p:cNvPr id="11" name="TextBox 10"/>
-          <p:cNvSpPr txBox="1"/>
-          <p:nvPr/>
-        </p:nvSpPr>
-        <p:spPr>
-          <a:xfrm>
-            <a:off x="838200" y="4361070"/>
-            <a:ext cx="4349652" cy="1200329"/>
-          </a:xfrm>
-          <a:prstGeom prst="rect">
-            <a:avLst/>
-          </a:prstGeom>
-          <a:noFill/>
-        </p:spPr>
-        <p:txBody>
-          <a:bodyPr wrap="none" rtlCol="0">
-            <a:spAutoFit/>
-          </a:bodyPr>
-          <a:lstStyle/>
-          <a:p>
-            <a:r>
-              <a:rPr lang="en-CA" sz="3600" dirty="0" smtClean="0">
-                <a:latin typeface="Segoe UI Light" panose="020B0502040204020203" pitchFamily="34" charset="0"/>
-                <a:cs typeface="Segoe UI Light" panose="020B0502040204020203" pitchFamily="34" charset="0"/>
-              </a:rPr>
-              <a:t>Which do you prefer?</a:t>
-            </a:r>
-            <a:endParaRPr lang="en-CA" sz="3600" dirty="0">
-              <a:latin typeface="Segoe UI Light" panose="020B0502040204020203" pitchFamily="34" charset="0"/>
-              <a:cs typeface="Segoe UI Light" panose="020B0502040204020203" pitchFamily="34" charset="0"/>
-            </a:endParaRPr>
-          </a:p>
-          <a:p>
-            <a:endParaRPr lang="en-CA" sz="3600" dirty="0" smtClean="0"/>
+            <a:endParaRPr lang="en-US"/>
           </a:p>
         </p:txBody>
       </p:sp>
     </p:spTree>
     <p:extLst>
       <p:ext uri="{BB962C8B-B14F-4D97-AF65-F5344CB8AC3E}">
-        <p14:creationId xmlns:p14="http://schemas.microsoft.com/office/powerpoint/2010/main" val="3606904350"/>
+        <p14:creationId xmlns:p14="http://schemas.microsoft.com/office/powerpoint/2010/main" val="328494891"/>
       </p:ext>
     </p:extLst>
   </p:cSld>
   <p:clrMapOvr>
     <a:masterClrMapping/>
   </p:clrMapOvr>
-  <p:timing>
-    <p:tnLst>
-      <p:par>
-        <p:cTn id="1" dur="indefinite" restart="never" nodeType="tmRoot">
-          <p:childTnLst>
-            <p:seq concurrent="1" nextAc="seek">
-              <p:cTn id="2" dur="indefinite" nodeType="mainSeq">
-                <p:childTnLst>
-                  <p:par>
-                    <p:cTn id="3" fill="hold">
-                      <p:stCondLst>
-                        <p:cond delay="indefinite"/>
-                      </p:stCondLst>
-                      <p:childTnLst>
-                        <p:par>
-                          <p:cTn id="4" fill="hold">
-                            <p:stCondLst>
-                              <p:cond delay="0"/>
-                            </p:stCondLst>
-                            <p:childTnLst>
-                              <p:par>
-                                <p:cTn id="5" presetID="1" presetClass="entr" presetSubtype="0" fill="hold" grpId="0" nodeType="clickEffect">
-                                  <p:stCondLst>
-                                    <p:cond delay="0"/>
-                                  </p:stCondLst>
-                                  <p:childTnLst>
-                                    <p:set>
-                                      <p:cBhvr>
-                                        <p:cTn id="6" dur="1" fill="hold">
-                                          <p:stCondLst>
-                                            <p:cond delay="0"/>
-                                          </p:stCondLst>
-                                        </p:cTn>
-                                        <p:tgtEl>
-                                          <p:spTgt spid="11"/>
-                                        </p:tgtEl>
-                                        <p:attrNameLst>
-                                          <p:attrName>style.visibility</p:attrName>
-                                        </p:attrNameLst>
-                                      </p:cBhvr>
-                                      <p:to>
-                                        <p:strVal val="visible"/>
-                                      </p:to>
-                                    </p:set>
-                                  </p:childTnLst>
-                                </p:cTn>
-                              </p:par>
-                            </p:childTnLst>
-                          </p:cTn>
-                        </p:par>
-                      </p:childTnLst>
-                    </p:cTn>
-                  </p:par>
-                </p:childTnLst>
-              </p:cTn>
-              <p:prevCondLst>
-                <p:cond evt="onPrev" delay="0">
-                  <p:tgtEl>
-                    <p:sldTgt/>
-                  </p:tgtEl>
-                </p:cond>
-              </p:prevCondLst>
-              <p:nextCondLst>
-                <p:cond evt="onNext" delay="0">
-                  <p:tgtEl>
-                    <p:sldTgt/>
-                  </p:tgtEl>
-                </p:cond>
-              </p:nextCondLst>
-            </p:seq>
-          </p:childTnLst>
-        </p:cTn>
-      </p:par>
-    </p:tnLst>
-    <p:bldLst>
-      <p:bldP spid="11" grpId="0"/>
-    </p:bldLst>
-  </p:timing>
 </p:sld>
 </file>
 

--- a/Office Docs/6 Making decisions with code.pptx
+++ b/Office Docs/6 Making decisions with code.pptx
@@ -8394,7 +8394,49 @@
                 <a:latin typeface="Consolas" panose="020B0609020204030204" pitchFamily="49" charset="0"/>
                 <a:cs typeface="Consolas" panose="020B0609020204030204" pitchFamily="49" charset="0"/>
               </a:rPr>
-              <a:t> float(deposit) &gt; 100 :</a:t>
+              <a:t> </a:t>
+            </a:r>
+            <a:r>
+              <a:rPr kumimoji="0" lang="en-US" altLang="en-US" sz="2800" b="0" i="0" u="none" strike="noStrike" cap="none" normalizeH="0" baseline="0" dirty="0" err="1" smtClean="0">
+                <a:ln>
+                  <a:noFill/>
+                </a:ln>
+                <a:solidFill>
+                  <a:srgbClr val="000000"/>
+                </a:solidFill>
+                <a:effectLst/>
+                <a:latin typeface="Consolas" panose="020B0609020204030204" pitchFamily="49" charset="0"/>
+                <a:cs typeface="Consolas" panose="020B0609020204030204" pitchFamily="49" charset="0"/>
+              </a:rPr>
+              <a:t>int</a:t>
+            </a:r>
+            <a:r>
+              <a:rPr kumimoji="0" lang="en-US" altLang="en-US" sz="2800" b="0" i="0" u="none" strike="noStrike" cap="none" normalizeH="0" baseline="0" dirty="0" smtClean="0">
+                <a:ln>
+                  <a:noFill/>
+                </a:ln>
+                <a:solidFill>
+                  <a:srgbClr val="000000"/>
+                </a:solidFill>
+                <a:effectLst/>
+                <a:latin typeface="Consolas" panose="020B0609020204030204" pitchFamily="49" charset="0"/>
+                <a:cs typeface="Consolas" panose="020B0609020204030204" pitchFamily="49" charset="0"/>
+              </a:rPr>
+              <a:t>(deposit</a:t>
+            </a:r>
+            <a:r>
+              <a:rPr kumimoji="0" lang="en-US" altLang="en-US" sz="2800" b="0" i="0" u="none" strike="noStrike" cap="none" normalizeH="0" baseline="0" dirty="0" smtClean="0">
+                <a:ln>
+                  <a:noFill/>
+                </a:ln>
+                <a:solidFill>
+                  <a:srgbClr val="000000"/>
+                </a:solidFill>
+                <a:effectLst/>
+                <a:latin typeface="Consolas" panose="020B0609020204030204" pitchFamily="49" charset="0"/>
+                <a:cs typeface="Consolas" panose="020B0609020204030204" pitchFamily="49" charset="0"/>
+              </a:rPr>
+              <a:t>) &gt; 100 :</a:t>
             </a:r>
           </a:p>
           <a:p>
@@ -8640,7 +8682,27 @@
                 <a:latin typeface="Consolas" panose="020B0609020204030204" pitchFamily="49" charset="0"/>
                 <a:cs typeface="Consolas" panose="020B0609020204030204" pitchFamily="49" charset="0"/>
               </a:rPr>
-              <a:t>deposit=float(input</a:t>
+              <a:t>deposit=</a:t>
+            </a:r>
+            <a:r>
+              <a:rPr lang="en-US" altLang="en-US" sz="2800" dirty="0" err="1" smtClean="0">
+                <a:solidFill>
+                  <a:srgbClr val="000000"/>
+                </a:solidFill>
+                <a:latin typeface="Consolas" panose="020B0609020204030204" pitchFamily="49" charset="0"/>
+                <a:cs typeface="Consolas" panose="020B0609020204030204" pitchFamily="49" charset="0"/>
+              </a:rPr>
+              <a:t>int</a:t>
+            </a:r>
+            <a:r>
+              <a:rPr lang="en-US" altLang="en-US" sz="2800" dirty="0" smtClean="0">
+                <a:solidFill>
+                  <a:srgbClr val="000000"/>
+                </a:solidFill>
+                <a:latin typeface="Consolas" panose="020B0609020204030204" pitchFamily="49" charset="0"/>
+                <a:cs typeface="Consolas" panose="020B0609020204030204" pitchFamily="49" charset="0"/>
+              </a:rPr>
+              <a:t>(input</a:t>
             </a:r>
             <a:r>
               <a:rPr lang="en-US" altLang="en-US" sz="2800" dirty="0">
